--- a/Seminar/Seminar_Presentations.pptx
+++ b/Seminar/Seminar_Presentations.pptx
@@ -5,24 +5,25 @@
     <p:sldMasterId id="2147483648" r:id="rId1"/>
   </p:sldMasterIdLst>
   <p:notesMasterIdLst>
-    <p:notesMasterId r:id="rId17"/>
+    <p:notesMasterId r:id="rId18"/>
   </p:notesMasterIdLst>
   <p:sldIdLst>
     <p:sldId id="256" r:id="rId2"/>
     <p:sldId id="257" r:id="rId3"/>
     <p:sldId id="259" r:id="rId4"/>
     <p:sldId id="260" r:id="rId5"/>
-    <p:sldId id="262" r:id="rId6"/>
-    <p:sldId id="263" r:id="rId7"/>
-    <p:sldId id="264" r:id="rId8"/>
-    <p:sldId id="270" r:id="rId9"/>
-    <p:sldId id="269" r:id="rId10"/>
-    <p:sldId id="266" r:id="rId11"/>
-    <p:sldId id="271" r:id="rId12"/>
-    <p:sldId id="261" r:id="rId13"/>
-    <p:sldId id="267" r:id="rId14"/>
-    <p:sldId id="268" r:id="rId15"/>
-    <p:sldId id="258" r:id="rId16"/>
+    <p:sldId id="272" r:id="rId6"/>
+    <p:sldId id="262" r:id="rId7"/>
+    <p:sldId id="263" r:id="rId8"/>
+    <p:sldId id="264" r:id="rId9"/>
+    <p:sldId id="270" r:id="rId10"/>
+    <p:sldId id="269" r:id="rId11"/>
+    <p:sldId id="266" r:id="rId12"/>
+    <p:sldId id="271" r:id="rId13"/>
+    <p:sldId id="261" r:id="rId14"/>
+    <p:sldId id="267" r:id="rId15"/>
+    <p:sldId id="268" r:id="rId16"/>
+    <p:sldId id="258" r:id="rId17"/>
   </p:sldIdLst>
   <p:sldSz cx="12192000" cy="6858000"/>
   <p:notesSz cx="6858000" cy="9144000"/>
@@ -271,7 +272,7 @@
       </p15:sldGuideLst>
     </p:ext>
     <p:ext uri="http://customooxmlschemas.google.com/">
-      <go:slidesCustomData xmlns="" xmlns:mc="http://schemas.openxmlformats.org/markup-compatibility/2006" xmlns:mv="urn:schemas-microsoft-com:mac:vml" xmlns:c="http://schemas.openxmlformats.org/drawingml/2006/chart" xmlns:dgm="http://schemas.openxmlformats.org/drawingml/2006/diagram" xmlns:o="urn:schemas-microsoft-com:office:office" xmlns:v="urn:schemas-microsoft-com:vml" xmlns:pvml="urn:schemas-microsoft-com:office:powerpoint" xmlns:com="http://schemas.openxmlformats.org/drawingml/2006/compatibility" xmlns:p14="http://schemas.microsoft.com/office/powerpoint/2010/main" xmlns:p15="http://schemas.microsoft.com/office/powerpoint/2012/main" xmlns:ahyp="http://schemas.microsoft.com/office/drawing/2018/hyperlinkcolor" xmlns:go="http://customooxmlschemas.google.com/" r:id="rId18" roundtripDataSignature="AMtx7mg4RKYWqYHe13bLjK5jvyKK51SjyA=="/>
+      <go:slidesCustomData xmlns:go="http://customooxmlschemas.google.com/" xmlns:ahyp="http://schemas.microsoft.com/office/drawing/2018/hyperlinkcolor" xmlns:p15="http://schemas.microsoft.com/office/powerpoint/2012/main" xmlns:p14="http://schemas.microsoft.com/office/powerpoint/2010/main" xmlns:com="http://schemas.openxmlformats.org/drawingml/2006/compatibility" xmlns:pvml="urn:schemas-microsoft-com:office:powerpoint" xmlns:v="urn:schemas-microsoft-com:vml" xmlns:o="urn:schemas-microsoft-com:office:office" xmlns:dgm="http://schemas.openxmlformats.org/drawingml/2006/diagram" xmlns:c="http://schemas.openxmlformats.org/drawingml/2006/chart" xmlns:mv="urn:schemas-microsoft-com:mac:vml" xmlns:mc="http://schemas.openxmlformats.org/markup-compatibility/2006" xmlns="" r:id="rId19" roundtripDataSignature="AMtx7mg4RKYWqYHe13bLjK5jvyKK51SjyA=="/>
     </p:ext>
   </p:extLst>
 </p:presentation>
@@ -1959,7 +1960,7 @@
                 <a:cs typeface="Arial"/>
                 <a:sym typeface="Arial"/>
               </a:rPr>
-              <a:t>7</a:t>
+              <a:t>8</a:t>
             </a:fld>
             <a:endParaRPr lang="en-US" sz="1200" b="0" i="0" u="none" strike="noStrike" cap="none">
               <a:solidFill>
@@ -2068,7 +2069,7 @@
                 <a:cs typeface="Arial"/>
                 <a:sym typeface="Arial"/>
               </a:rPr>
-              <a:t>8</a:t>
+              <a:t>9</a:t>
             </a:fld>
             <a:endParaRPr lang="en-US" sz="1200" b="0" i="0" u="none" strike="noStrike" cap="none">
               <a:solidFill>
@@ -2177,7 +2178,7 @@
                 <a:cs typeface="Arial"/>
                 <a:sym typeface="Arial"/>
               </a:rPr>
-              <a:t>10</a:t>
+              <a:t>11</a:t>
             </a:fld>
             <a:endParaRPr lang="en-US" sz="1200" b="0" i="0" u="none" strike="noStrike" cap="none">
               <a:solidFill>
@@ -2946,7 +2947,7 @@
         <p:fade/>
       </p:transition>
     </mc:Choice>
-    <mc:Fallback xmlns="" xmlns:mv="urn:schemas-microsoft-com:mac:vml" xmlns:c="http://schemas.openxmlformats.org/drawingml/2006/chart" xmlns:dgm="http://schemas.openxmlformats.org/drawingml/2006/diagram" xmlns:o="urn:schemas-microsoft-com:office:office" xmlns:v="urn:schemas-microsoft-com:vml" xmlns:pvml="urn:schemas-microsoft-com:office:powerpoint" xmlns:com="http://schemas.openxmlformats.org/drawingml/2006/compatibility" xmlns:p15="http://schemas.microsoft.com/office/powerpoint/2012/main" xmlns:ahyp="http://schemas.microsoft.com/office/drawing/2018/hyperlinkcolor">
+    <mc:Fallback xmlns:ahyp="http://schemas.microsoft.com/office/drawing/2018/hyperlinkcolor" xmlns:p15="http://schemas.microsoft.com/office/powerpoint/2012/main" xmlns:com="http://schemas.openxmlformats.org/drawingml/2006/compatibility" xmlns:pvml="urn:schemas-microsoft-com:office:powerpoint" xmlns:v="urn:schemas-microsoft-com:vml" xmlns:o="urn:schemas-microsoft-com:office:office" xmlns:dgm="http://schemas.openxmlformats.org/drawingml/2006/diagram" xmlns:c="http://schemas.openxmlformats.org/drawingml/2006/chart" xmlns:mv="urn:schemas-microsoft-com:mac:vml" xmlns="">
       <p:transition spd="slow">
         <p:fade/>
       </p:transition>
@@ -3710,7 +3711,7 @@
         <p:fade/>
       </p:transition>
     </mc:Choice>
-    <mc:Fallback xmlns="" xmlns:mv="urn:schemas-microsoft-com:mac:vml" xmlns:c="http://schemas.openxmlformats.org/drawingml/2006/chart" xmlns:dgm="http://schemas.openxmlformats.org/drawingml/2006/diagram" xmlns:o="urn:schemas-microsoft-com:office:office" xmlns:v="urn:schemas-microsoft-com:vml" xmlns:pvml="urn:schemas-microsoft-com:office:powerpoint" xmlns:com="http://schemas.openxmlformats.org/drawingml/2006/compatibility" xmlns:p15="http://schemas.microsoft.com/office/powerpoint/2012/main" xmlns:ahyp="http://schemas.microsoft.com/office/drawing/2018/hyperlinkcolor">
+    <mc:Fallback xmlns:ahyp="http://schemas.microsoft.com/office/drawing/2018/hyperlinkcolor" xmlns:p15="http://schemas.microsoft.com/office/powerpoint/2012/main" xmlns:com="http://schemas.openxmlformats.org/drawingml/2006/compatibility" xmlns:pvml="urn:schemas-microsoft-com:office:powerpoint" xmlns:v="urn:schemas-microsoft-com:vml" xmlns:o="urn:schemas-microsoft-com:office:office" xmlns:dgm="http://schemas.openxmlformats.org/drawingml/2006/diagram" xmlns:c="http://schemas.openxmlformats.org/drawingml/2006/chart" xmlns:mv="urn:schemas-microsoft-com:mac:vml" xmlns="">
       <p:transition spd="slow">
         <p:fade/>
       </p:transition>
@@ -4449,7 +4450,7 @@
         <p:fade/>
       </p:transition>
     </mc:Choice>
-    <mc:Fallback xmlns="" xmlns:mv="urn:schemas-microsoft-com:mac:vml" xmlns:c="http://schemas.openxmlformats.org/drawingml/2006/chart" xmlns:dgm="http://schemas.openxmlformats.org/drawingml/2006/diagram" xmlns:o="urn:schemas-microsoft-com:office:office" xmlns:v="urn:schemas-microsoft-com:vml" xmlns:pvml="urn:schemas-microsoft-com:office:powerpoint" xmlns:com="http://schemas.openxmlformats.org/drawingml/2006/compatibility" xmlns:p15="http://schemas.microsoft.com/office/powerpoint/2012/main" xmlns:ahyp="http://schemas.microsoft.com/office/drawing/2018/hyperlinkcolor">
+    <mc:Fallback xmlns:ahyp="http://schemas.microsoft.com/office/drawing/2018/hyperlinkcolor" xmlns:p15="http://schemas.microsoft.com/office/powerpoint/2012/main" xmlns:com="http://schemas.openxmlformats.org/drawingml/2006/compatibility" xmlns:pvml="urn:schemas-microsoft-com:office:powerpoint" xmlns:v="urn:schemas-microsoft-com:vml" xmlns:o="urn:schemas-microsoft-com:office:office" xmlns:dgm="http://schemas.openxmlformats.org/drawingml/2006/diagram" xmlns:c="http://schemas.openxmlformats.org/drawingml/2006/chart" xmlns:mv="urn:schemas-microsoft-com:mac:vml" xmlns="">
       <p:transition spd="slow">
         <p:fade/>
       </p:transition>
@@ -5255,7 +5256,7 @@
         <p:fade/>
       </p:transition>
     </mc:Choice>
-    <mc:Fallback xmlns="" xmlns:mv="urn:schemas-microsoft-com:mac:vml" xmlns:c="http://schemas.openxmlformats.org/drawingml/2006/chart" xmlns:dgm="http://schemas.openxmlformats.org/drawingml/2006/diagram" xmlns:o="urn:schemas-microsoft-com:office:office" xmlns:v="urn:schemas-microsoft-com:vml" xmlns:pvml="urn:schemas-microsoft-com:office:powerpoint" xmlns:com="http://schemas.openxmlformats.org/drawingml/2006/compatibility" xmlns:p15="http://schemas.microsoft.com/office/powerpoint/2012/main" xmlns:ahyp="http://schemas.microsoft.com/office/drawing/2018/hyperlinkcolor">
+    <mc:Fallback xmlns:ahyp="http://schemas.microsoft.com/office/drawing/2018/hyperlinkcolor" xmlns:p15="http://schemas.microsoft.com/office/powerpoint/2012/main" xmlns:com="http://schemas.openxmlformats.org/drawingml/2006/compatibility" xmlns:pvml="urn:schemas-microsoft-com:office:powerpoint" xmlns:v="urn:schemas-microsoft-com:vml" xmlns:o="urn:schemas-microsoft-com:office:office" xmlns:dgm="http://schemas.openxmlformats.org/drawingml/2006/diagram" xmlns:c="http://schemas.openxmlformats.org/drawingml/2006/chart" xmlns:mv="urn:schemas-microsoft-com:mac:vml" xmlns="">
       <p:transition spd="slow">
         <p:fade/>
       </p:transition>
@@ -5994,7 +5995,7 @@
         <p:fade/>
       </p:transition>
     </mc:Choice>
-    <mc:Fallback xmlns="" xmlns:mv="urn:schemas-microsoft-com:mac:vml" xmlns:c="http://schemas.openxmlformats.org/drawingml/2006/chart" xmlns:dgm="http://schemas.openxmlformats.org/drawingml/2006/diagram" xmlns:o="urn:schemas-microsoft-com:office:office" xmlns:v="urn:schemas-microsoft-com:vml" xmlns:pvml="urn:schemas-microsoft-com:office:powerpoint" xmlns:com="http://schemas.openxmlformats.org/drawingml/2006/compatibility" xmlns:p15="http://schemas.microsoft.com/office/powerpoint/2012/main" xmlns:ahyp="http://schemas.microsoft.com/office/drawing/2018/hyperlinkcolor">
+    <mc:Fallback xmlns:ahyp="http://schemas.microsoft.com/office/drawing/2018/hyperlinkcolor" xmlns:p15="http://schemas.microsoft.com/office/powerpoint/2012/main" xmlns:com="http://schemas.openxmlformats.org/drawingml/2006/compatibility" xmlns:pvml="urn:schemas-microsoft-com:office:powerpoint" xmlns:v="urn:schemas-microsoft-com:vml" xmlns:o="urn:schemas-microsoft-com:office:office" xmlns:dgm="http://schemas.openxmlformats.org/drawingml/2006/diagram" xmlns:c="http://schemas.openxmlformats.org/drawingml/2006/chart" xmlns:mv="urn:schemas-microsoft-com:mac:vml" xmlns="">
       <p:transition spd="slow">
         <p:fade/>
       </p:transition>
@@ -6937,7 +6938,7 @@
         <p:fade/>
       </p:transition>
     </mc:Choice>
-    <mc:Fallback xmlns="" xmlns:mv="urn:schemas-microsoft-com:mac:vml" xmlns:c="http://schemas.openxmlformats.org/drawingml/2006/chart" xmlns:dgm="http://schemas.openxmlformats.org/drawingml/2006/diagram" xmlns:o="urn:schemas-microsoft-com:office:office" xmlns:v="urn:schemas-microsoft-com:vml" xmlns:pvml="urn:schemas-microsoft-com:office:powerpoint" xmlns:com="http://schemas.openxmlformats.org/drawingml/2006/compatibility" xmlns:p15="http://schemas.microsoft.com/office/powerpoint/2012/main" xmlns:ahyp="http://schemas.microsoft.com/office/drawing/2018/hyperlinkcolor">
+    <mc:Fallback xmlns:ahyp="http://schemas.microsoft.com/office/drawing/2018/hyperlinkcolor" xmlns:p15="http://schemas.microsoft.com/office/powerpoint/2012/main" xmlns:com="http://schemas.openxmlformats.org/drawingml/2006/compatibility" xmlns:pvml="urn:schemas-microsoft-com:office:powerpoint" xmlns:v="urn:schemas-microsoft-com:vml" xmlns:o="urn:schemas-microsoft-com:office:office" xmlns:dgm="http://schemas.openxmlformats.org/drawingml/2006/diagram" xmlns:c="http://schemas.openxmlformats.org/drawingml/2006/chart" xmlns:mv="urn:schemas-microsoft-com:mac:vml" xmlns="">
       <p:transition spd="slow">
         <p:fade/>
       </p:transition>
@@ -7941,7 +7942,7 @@
         <p:fade/>
       </p:transition>
     </mc:Choice>
-    <mc:Fallback xmlns="" xmlns:mv="urn:schemas-microsoft-com:mac:vml" xmlns:c="http://schemas.openxmlformats.org/drawingml/2006/chart" xmlns:dgm="http://schemas.openxmlformats.org/drawingml/2006/diagram" xmlns:o="urn:schemas-microsoft-com:office:office" xmlns:v="urn:schemas-microsoft-com:vml" xmlns:pvml="urn:schemas-microsoft-com:office:powerpoint" xmlns:com="http://schemas.openxmlformats.org/drawingml/2006/compatibility" xmlns:p15="http://schemas.microsoft.com/office/powerpoint/2012/main" xmlns:ahyp="http://schemas.microsoft.com/office/drawing/2018/hyperlinkcolor">
+    <mc:Fallback xmlns:ahyp="http://schemas.microsoft.com/office/drawing/2018/hyperlinkcolor" xmlns:p15="http://schemas.microsoft.com/office/powerpoint/2012/main" xmlns:com="http://schemas.openxmlformats.org/drawingml/2006/compatibility" xmlns:pvml="urn:schemas-microsoft-com:office:powerpoint" xmlns:v="urn:schemas-microsoft-com:vml" xmlns:o="urn:schemas-microsoft-com:office:office" xmlns:dgm="http://schemas.openxmlformats.org/drawingml/2006/diagram" xmlns:c="http://schemas.openxmlformats.org/drawingml/2006/chart" xmlns:mv="urn:schemas-microsoft-com:mac:vml" xmlns="">
       <p:transition spd="slow">
         <p:fade/>
       </p:transition>
@@ -8867,7 +8868,7 @@
         <p:fade/>
       </p:transition>
     </mc:Choice>
-    <mc:Fallback xmlns="" xmlns:mv="urn:schemas-microsoft-com:mac:vml" xmlns:c="http://schemas.openxmlformats.org/drawingml/2006/chart" xmlns:dgm="http://schemas.openxmlformats.org/drawingml/2006/diagram" xmlns:o="urn:schemas-microsoft-com:office:office" xmlns:v="urn:schemas-microsoft-com:vml" xmlns:pvml="urn:schemas-microsoft-com:office:powerpoint" xmlns:com="http://schemas.openxmlformats.org/drawingml/2006/compatibility" xmlns:p15="http://schemas.microsoft.com/office/powerpoint/2012/main" xmlns:ahyp="http://schemas.microsoft.com/office/drawing/2018/hyperlinkcolor">
+    <mc:Fallback xmlns:ahyp="http://schemas.microsoft.com/office/drawing/2018/hyperlinkcolor" xmlns:p15="http://schemas.microsoft.com/office/powerpoint/2012/main" xmlns:com="http://schemas.openxmlformats.org/drawingml/2006/compatibility" xmlns:pvml="urn:schemas-microsoft-com:office:powerpoint" xmlns:v="urn:schemas-microsoft-com:vml" xmlns:o="urn:schemas-microsoft-com:office:office" xmlns:dgm="http://schemas.openxmlformats.org/drawingml/2006/diagram" xmlns:c="http://schemas.openxmlformats.org/drawingml/2006/chart" xmlns:mv="urn:schemas-microsoft-com:mac:vml" xmlns="">
       <p:transition spd="slow">
         <p:fade/>
       </p:transition>
@@ -10167,7 +10168,7 @@
         <p:fade/>
       </p:transition>
     </mc:Choice>
-    <mc:Fallback xmlns="" xmlns:mv="urn:schemas-microsoft-com:mac:vml" xmlns:c="http://schemas.openxmlformats.org/drawingml/2006/chart" xmlns:dgm="http://schemas.openxmlformats.org/drawingml/2006/diagram" xmlns:o="urn:schemas-microsoft-com:office:office" xmlns:v="urn:schemas-microsoft-com:vml" xmlns:pvml="urn:schemas-microsoft-com:office:powerpoint" xmlns:com="http://schemas.openxmlformats.org/drawingml/2006/compatibility" xmlns:p15="http://schemas.microsoft.com/office/powerpoint/2012/main" xmlns:ahyp="http://schemas.microsoft.com/office/drawing/2018/hyperlinkcolor">
+    <mc:Fallback xmlns:ahyp="http://schemas.microsoft.com/office/drawing/2018/hyperlinkcolor" xmlns:p15="http://schemas.microsoft.com/office/powerpoint/2012/main" xmlns:com="http://schemas.openxmlformats.org/drawingml/2006/compatibility" xmlns:pvml="urn:schemas-microsoft-com:office:powerpoint" xmlns:v="urn:schemas-microsoft-com:vml" xmlns:o="urn:schemas-microsoft-com:office:office" xmlns:dgm="http://schemas.openxmlformats.org/drawingml/2006/diagram" xmlns:c="http://schemas.openxmlformats.org/drawingml/2006/chart" xmlns:mv="urn:schemas-microsoft-com:mac:vml" xmlns="">
       <p:transition spd="slow">
         <p:fade/>
       </p:transition>
@@ -10719,7 +10720,7 @@
         <p:fade/>
       </p:transition>
     </mc:Choice>
-    <mc:Fallback xmlns="" xmlns:mv="urn:schemas-microsoft-com:mac:vml" xmlns:c="http://schemas.openxmlformats.org/drawingml/2006/chart" xmlns:dgm="http://schemas.openxmlformats.org/drawingml/2006/diagram" xmlns:o="urn:schemas-microsoft-com:office:office" xmlns:v="urn:schemas-microsoft-com:vml" xmlns:pvml="urn:schemas-microsoft-com:office:powerpoint" xmlns:com="http://schemas.openxmlformats.org/drawingml/2006/compatibility" xmlns:p15="http://schemas.microsoft.com/office/powerpoint/2012/main" xmlns:ahyp="http://schemas.microsoft.com/office/drawing/2018/hyperlinkcolor">
+    <mc:Fallback xmlns:ahyp="http://schemas.microsoft.com/office/drawing/2018/hyperlinkcolor" xmlns:p15="http://schemas.microsoft.com/office/powerpoint/2012/main" xmlns:com="http://schemas.openxmlformats.org/drawingml/2006/compatibility" xmlns:pvml="urn:schemas-microsoft-com:office:powerpoint" xmlns:v="urn:schemas-microsoft-com:vml" xmlns:o="urn:schemas-microsoft-com:office:office" xmlns:dgm="http://schemas.openxmlformats.org/drawingml/2006/diagram" xmlns:c="http://schemas.openxmlformats.org/drawingml/2006/chart" xmlns:mv="urn:schemas-microsoft-com:mac:vml" xmlns="">
       <p:transition spd="slow">
         <p:fade/>
       </p:transition>
@@ -11132,7 +11133,7 @@
         <p:fade/>
       </p:transition>
     </mc:Choice>
-    <mc:Fallback xmlns="" xmlns:mv="urn:schemas-microsoft-com:mac:vml" xmlns:c="http://schemas.openxmlformats.org/drawingml/2006/chart" xmlns:dgm="http://schemas.openxmlformats.org/drawingml/2006/diagram" xmlns:o="urn:schemas-microsoft-com:office:office" xmlns:v="urn:schemas-microsoft-com:vml" xmlns:pvml="urn:schemas-microsoft-com:office:powerpoint" xmlns:com="http://schemas.openxmlformats.org/drawingml/2006/compatibility" xmlns:p15="http://schemas.microsoft.com/office/powerpoint/2012/main" xmlns:ahyp="http://schemas.microsoft.com/office/drawing/2018/hyperlinkcolor">
+    <mc:Fallback xmlns:ahyp="http://schemas.microsoft.com/office/drawing/2018/hyperlinkcolor" xmlns:p15="http://schemas.microsoft.com/office/powerpoint/2012/main" xmlns:com="http://schemas.openxmlformats.org/drawingml/2006/compatibility" xmlns:pvml="urn:schemas-microsoft-com:office:powerpoint" xmlns:v="urn:schemas-microsoft-com:vml" xmlns:o="urn:schemas-microsoft-com:office:office" xmlns:dgm="http://schemas.openxmlformats.org/drawingml/2006/diagram" xmlns:c="http://schemas.openxmlformats.org/drawingml/2006/chart" xmlns:mv="urn:schemas-microsoft-com:mac:vml" xmlns="">
       <p:transition spd="slow">
         <p:fade/>
       </p:transition>
@@ -12059,7 +12060,7 @@
         <p:fade/>
       </p:transition>
     </mc:Choice>
-    <mc:Fallback xmlns="" xmlns:mv="urn:schemas-microsoft-com:mac:vml" xmlns:c="http://schemas.openxmlformats.org/drawingml/2006/chart" xmlns:dgm="http://schemas.openxmlformats.org/drawingml/2006/diagram" xmlns:o="urn:schemas-microsoft-com:office:office" xmlns:v="urn:schemas-microsoft-com:vml" xmlns:pvml="urn:schemas-microsoft-com:office:powerpoint" xmlns:com="http://schemas.openxmlformats.org/drawingml/2006/compatibility" xmlns:p15="http://schemas.microsoft.com/office/powerpoint/2012/main" xmlns:ahyp="http://schemas.microsoft.com/office/drawing/2018/hyperlinkcolor">
+    <mc:Fallback xmlns:ahyp="http://schemas.microsoft.com/office/drawing/2018/hyperlinkcolor" xmlns:p15="http://schemas.microsoft.com/office/powerpoint/2012/main" xmlns:com="http://schemas.openxmlformats.org/drawingml/2006/compatibility" xmlns:pvml="urn:schemas-microsoft-com:office:powerpoint" xmlns:v="urn:schemas-microsoft-com:vml" xmlns:o="urn:schemas-microsoft-com:office:office" xmlns:dgm="http://schemas.openxmlformats.org/drawingml/2006/diagram" xmlns:c="http://schemas.openxmlformats.org/drawingml/2006/chart" xmlns:mv="urn:schemas-microsoft-com:mac:vml" xmlns="">
       <p:transition spd="slow">
         <p:fade/>
       </p:transition>
@@ -13191,7 +13192,7 @@
         <p:fade/>
       </p:transition>
     </mc:Choice>
-    <mc:Fallback xmlns="" xmlns:mv="urn:schemas-microsoft-com:mac:vml" xmlns:c="http://schemas.openxmlformats.org/drawingml/2006/chart" xmlns:dgm="http://schemas.openxmlformats.org/drawingml/2006/diagram" xmlns:o="urn:schemas-microsoft-com:office:office" xmlns:v="urn:schemas-microsoft-com:vml" xmlns:pvml="urn:schemas-microsoft-com:office:powerpoint" xmlns:com="http://schemas.openxmlformats.org/drawingml/2006/compatibility" xmlns:p15="http://schemas.microsoft.com/office/powerpoint/2012/main" xmlns:ahyp="http://schemas.microsoft.com/office/drawing/2018/hyperlinkcolor">
+    <mc:Fallback xmlns:ahyp="http://schemas.microsoft.com/office/drawing/2018/hyperlinkcolor" xmlns:p15="http://schemas.microsoft.com/office/powerpoint/2012/main" xmlns:com="http://schemas.openxmlformats.org/drawingml/2006/compatibility" xmlns:pvml="urn:schemas-microsoft-com:office:powerpoint" xmlns:v="urn:schemas-microsoft-com:vml" xmlns:o="urn:schemas-microsoft-com:office:office" xmlns:dgm="http://schemas.openxmlformats.org/drawingml/2006/diagram" xmlns:c="http://schemas.openxmlformats.org/drawingml/2006/chart" xmlns:mv="urn:schemas-microsoft-com:mac:vml" xmlns="">
       <p:transition spd="slow">
         <p:fade/>
       </p:transition>
@@ -14293,7 +14294,7 @@
         <p:fade/>
       </p:transition>
     </mc:Choice>
-    <mc:Fallback xmlns="" xmlns:mv="urn:schemas-microsoft-com:mac:vml" xmlns:c="http://schemas.openxmlformats.org/drawingml/2006/chart" xmlns:dgm="http://schemas.openxmlformats.org/drawingml/2006/diagram" xmlns:o="urn:schemas-microsoft-com:office:office" xmlns:v="urn:schemas-microsoft-com:vml" xmlns:pvml="urn:schemas-microsoft-com:office:powerpoint" xmlns:com="http://schemas.openxmlformats.org/drawingml/2006/compatibility" xmlns:p15="http://schemas.microsoft.com/office/powerpoint/2012/main" xmlns:ahyp="http://schemas.microsoft.com/office/drawing/2018/hyperlinkcolor">
+    <mc:Fallback xmlns:ahyp="http://schemas.microsoft.com/office/drawing/2018/hyperlinkcolor" xmlns:p15="http://schemas.microsoft.com/office/powerpoint/2012/main" xmlns:com="http://schemas.openxmlformats.org/drawingml/2006/compatibility" xmlns:pvml="urn:schemas-microsoft-com:office:powerpoint" xmlns:v="urn:schemas-microsoft-com:vml" xmlns:o="urn:schemas-microsoft-com:office:office" xmlns:dgm="http://schemas.openxmlformats.org/drawingml/2006/diagram" xmlns:c="http://schemas.openxmlformats.org/drawingml/2006/chart" xmlns:mv="urn:schemas-microsoft-com:mac:vml" xmlns="">
       <p:transition spd="slow">
         <p:fade/>
       </p:transition>
@@ -14303,6 +14304,256 @@
 </file>
 
 <file path=ppt/slides/slide10.xml><?xml version="1.0" encoding="utf-8"?>
+<p:sld xmlns:a="http://schemas.openxmlformats.org/drawingml/2006/main" xmlns:r="http://schemas.openxmlformats.org/officeDocument/2006/relationships" xmlns:p="http://schemas.openxmlformats.org/presentationml/2006/main">
+  <p:cSld>
+    <p:spTree>
+      <p:nvGrpSpPr>
+        <p:cNvPr id="1" name=""/>
+        <p:cNvGrpSpPr/>
+        <p:nvPr/>
+      </p:nvGrpSpPr>
+      <p:grpSpPr>
+        <a:xfrm>
+          <a:off x="0" y="0"/>
+          <a:ext cx="0" cy="0"/>
+          <a:chOff x="0" y="0"/>
+          <a:chExt cx="0" cy="0"/>
+        </a:xfrm>
+      </p:grpSpPr>
+      <p:sp>
+        <p:nvSpPr>
+          <p:cNvPr id="2" name="Slide Number Placeholder 1">
+            <a:extLst>
+              <a:ext uri="{FF2B5EF4-FFF2-40B4-BE49-F238E27FC236}">
+                <a16:creationId xmlns:a16="http://schemas.microsoft.com/office/drawing/2014/main" id="{DEDFD7C8-DA41-776D-D554-49C34DD16028}"/>
+              </a:ext>
+            </a:extLst>
+          </p:cNvPr>
+          <p:cNvSpPr>
+            <a:spLocks noGrp="1"/>
+          </p:cNvSpPr>
+          <p:nvPr>
+            <p:ph type="sldNum" idx="12"/>
+          </p:nvPr>
+        </p:nvSpPr>
+        <p:spPr/>
+        <p:txBody>
+          <a:bodyPr/>
+          <a:lstStyle/>
+          <a:p>
+            <a:pPr marL="0" lvl="0" indent="0" algn="r" rtl="0">
+              <a:spcBef>
+                <a:spcPts val="0"/>
+              </a:spcBef>
+              <a:spcAft>
+                <a:spcPts val="0"/>
+              </a:spcAft>
+              <a:buNone/>
+            </a:pPr>
+            <a:fld id="{00000000-1234-1234-1234-123412341234}" type="slidenum">
+              <a:rPr lang="en-US" smtClean="0"/>
+              <a:t>10</a:t>
+            </a:fld>
+            <a:endParaRPr lang="en-US"/>
+          </a:p>
+        </p:txBody>
+      </p:sp>
+      <p:pic>
+        <p:nvPicPr>
+          <p:cNvPr id="5" name="Picture 4">
+            <a:extLst>
+              <a:ext uri="{FF2B5EF4-FFF2-40B4-BE49-F238E27FC236}">
+                <a16:creationId xmlns:a16="http://schemas.microsoft.com/office/drawing/2014/main" id="{DEA3943F-B003-D4C3-CC61-6F060B7DBC7E}"/>
+              </a:ext>
+            </a:extLst>
+          </p:cNvPr>
+          <p:cNvPicPr>
+            <a:picLocks noChangeAspect="1"/>
+          </p:cNvPicPr>
+          <p:nvPr/>
+        </p:nvPicPr>
+        <p:blipFill>
+          <a:blip r:embed="rId2"/>
+          <a:stretch>
+            <a:fillRect/>
+          </a:stretch>
+        </p:blipFill>
+        <p:spPr>
+          <a:xfrm>
+            <a:off x="3603041" y="136524"/>
+            <a:ext cx="4985917" cy="6067631"/>
+          </a:xfrm>
+          <a:prstGeom prst="rect">
+            <a:avLst/>
+          </a:prstGeom>
+        </p:spPr>
+      </p:pic>
+      <p:sp>
+        <p:nvSpPr>
+          <p:cNvPr id="3" name="Google Shape;132;p2">
+            <a:extLst>
+              <a:ext uri="{FF2B5EF4-FFF2-40B4-BE49-F238E27FC236}">
+                <a16:creationId xmlns:a16="http://schemas.microsoft.com/office/drawing/2014/main" id="{99313AD6-7905-EAD1-26F7-9410E9E2F06A}"/>
+              </a:ext>
+            </a:extLst>
+          </p:cNvPr>
+          <p:cNvSpPr txBox="1">
+            <a:spLocks noGrp="1"/>
+          </p:cNvSpPr>
+          <p:nvPr>
+            <p:ph type="ftr" idx="11"/>
+          </p:nvPr>
+        </p:nvSpPr>
+        <p:spPr>
+          <a:xfrm>
+            <a:off x="2934459" y="6356350"/>
+            <a:ext cx="6323082" cy="365126"/>
+          </a:xfrm>
+          <a:prstGeom prst="rect">
+            <a:avLst/>
+          </a:prstGeom>
+          <a:noFill/>
+          <a:ln>
+            <a:noFill/>
+          </a:ln>
+        </p:spPr>
+        <p:txBody>
+          <a:bodyPr spcFirstLastPara="1" wrap="square" lIns="0" tIns="45700" rIns="0" bIns="45700" anchor="ctr" anchorCtr="0">
+            <a:noAutofit/>
+          </a:bodyPr>
+          <a:lstStyle/>
+          <a:p>
+            <a:pPr marL="0" lvl="0" indent="0" algn="ctr" rtl="0">
+              <a:spcBef>
+                <a:spcPts val="0"/>
+              </a:spcBef>
+              <a:spcAft>
+                <a:spcPts val="0"/>
+              </a:spcAft>
+              <a:buNone/>
+            </a:pPr>
+            <a:r>
+              <a:rPr lang="en-US" sz="1200" dirty="0">
+                <a:latin typeface="Times New Roman" panose="02020603050405020304" pitchFamily="18" charset="0"/>
+                <a:cs typeface="Times New Roman" panose="02020603050405020304" pitchFamily="18" charset="0"/>
+              </a:rPr>
+              <a:t>An Automated Framework for Migrating Java Applications to Ethereum Solidity Applications</a:t>
+            </a:r>
+            <a:endParaRPr dirty="0"/>
+          </a:p>
+        </p:txBody>
+      </p:sp>
+      <p:sp>
+        <p:nvSpPr>
+          <p:cNvPr id="4" name="Google Shape;133;p2">
+            <a:extLst>
+              <a:ext uri="{FF2B5EF4-FFF2-40B4-BE49-F238E27FC236}">
+                <a16:creationId xmlns:a16="http://schemas.microsoft.com/office/drawing/2014/main" id="{E330606B-F1B1-FB7C-3169-52F18777A682}"/>
+              </a:ext>
+            </a:extLst>
+          </p:cNvPr>
+          <p:cNvSpPr txBox="1">
+            <a:spLocks noGrp="1"/>
+          </p:cNvSpPr>
+          <p:nvPr>
+            <p:ph type="dt" idx="10"/>
+          </p:nvPr>
+        </p:nvSpPr>
+        <p:spPr>
+          <a:xfrm>
+            <a:off x="825024" y="6356350"/>
+            <a:ext cx="2109300" cy="365100"/>
+          </a:xfrm>
+          <a:prstGeom prst="rect">
+            <a:avLst/>
+          </a:prstGeom>
+          <a:noFill/>
+          <a:ln>
+            <a:noFill/>
+          </a:ln>
+        </p:spPr>
+        <p:txBody>
+          <a:bodyPr spcFirstLastPara="1" wrap="square" lIns="0" tIns="45700" rIns="0" bIns="45700" anchor="ctr" anchorCtr="0">
+            <a:noAutofit/>
+          </a:bodyPr>
+          <a:lstStyle/>
+          <a:p>
+            <a:pPr marL="0" lvl="0" indent="0" algn="l" rtl="0">
+              <a:spcBef>
+                <a:spcPts val="0"/>
+              </a:spcBef>
+              <a:spcAft>
+                <a:spcPts val="0"/>
+              </a:spcAft>
+              <a:buNone/>
+            </a:pPr>
+            <a:r>
+              <a:rPr lang="en-US" dirty="0"/>
+              <a:t>9/24/2022</a:t>
+            </a:r>
+            <a:endParaRPr dirty="0"/>
+          </a:p>
+        </p:txBody>
+      </p:sp>
+      <p:pic>
+        <p:nvPicPr>
+          <p:cNvPr id="6" name="Google Shape;131;p2">
+            <a:extLst>
+              <a:ext uri="{FF2B5EF4-FFF2-40B4-BE49-F238E27FC236}">
+                <a16:creationId xmlns:a16="http://schemas.microsoft.com/office/drawing/2014/main" id="{9C716882-6E61-E884-632D-C23686D8308D}"/>
+              </a:ext>
+            </a:extLst>
+          </p:cNvPr>
+          <p:cNvPicPr preferRelativeResize="0"/>
+          <p:nvPr/>
+        </p:nvPicPr>
+        <p:blipFill rotWithShape="1">
+          <a:blip r:embed="rId3">
+            <a:alphaModFix/>
+          </a:blip>
+          <a:srcRect/>
+          <a:stretch/>
+        </p:blipFill>
+        <p:spPr>
+          <a:xfrm>
+            <a:off x="10919540" y="150750"/>
+            <a:ext cx="1233271" cy="1029803"/>
+          </a:xfrm>
+          <a:prstGeom prst="rect">
+            <a:avLst/>
+          </a:prstGeom>
+          <a:noFill/>
+          <a:ln>
+            <a:noFill/>
+          </a:ln>
+        </p:spPr>
+      </p:pic>
+    </p:spTree>
+    <p:extLst>
+      <p:ext uri="{BB962C8B-B14F-4D97-AF65-F5344CB8AC3E}">
+        <p14:creationId xmlns:p14="http://schemas.microsoft.com/office/powerpoint/2010/main" val="3323746520"/>
+      </p:ext>
+    </p:extLst>
+  </p:cSld>
+  <p:clrMapOvr>
+    <a:masterClrMapping/>
+  </p:clrMapOvr>
+  <mc:AlternateContent xmlns:mc="http://schemas.openxmlformats.org/markup-compatibility/2006" xmlns:p14="http://schemas.microsoft.com/office/powerpoint/2010/main">
+    <mc:Choice Requires="p14">
+      <p:transition spd="med" p14:dur="700">
+        <p:fade/>
+      </p:transition>
+    </mc:Choice>
+    <mc:Fallback xmlns:ahyp="http://schemas.microsoft.com/office/drawing/2018/hyperlinkcolor" xmlns:p15="http://schemas.microsoft.com/office/powerpoint/2012/main" xmlns:com="http://schemas.openxmlformats.org/drawingml/2006/compatibility" xmlns:pvml="urn:schemas-microsoft-com:office:powerpoint" xmlns:v="urn:schemas-microsoft-com:vml" xmlns:o="urn:schemas-microsoft-com:office:office" xmlns:dgm="http://schemas.openxmlformats.org/drawingml/2006/diagram" xmlns:c="http://schemas.openxmlformats.org/drawingml/2006/chart" xmlns:mv="urn:schemas-microsoft-com:mac:vml" xmlns="">
+      <p:transition spd="slow">
+        <p:fade/>
+      </p:transition>
+    </mc:Fallback>
+  </mc:AlternateContent>
+</p:sld>
+</file>
+
+<file path=ppt/slides/slide11.xml><?xml version="1.0" encoding="utf-8"?>
 <p:sld xmlns:a="http://schemas.openxmlformats.org/drawingml/2006/main" xmlns:r="http://schemas.openxmlformats.org/officeDocument/2006/relationships" xmlns:p="http://schemas.openxmlformats.org/presentationml/2006/main">
   <p:cSld>
     <p:spTree>
@@ -14375,20 +14626,13 @@
         </p:nvSpPr>
         <p:spPr>
           <a:xfrm>
-            <a:off x="1104831" y="1779243"/>
-            <a:ext cx="4112152" cy="4572000"/>
+            <a:off x="878248" y="1676640"/>
+            <a:ext cx="4112152" cy="3728363"/>
           </a:xfrm>
         </p:spPr>
         <p:txBody>
           <a:bodyPr lIns="0" rIns="216000"/>
           <a:lstStyle/>
-          <a:p>
-            <a:pPr algn="just"/>
-            <a:r>
-              <a:rPr lang="en-US" sz="1600" dirty="0"/>
-              <a:t>	</a:t>
-            </a:r>
-          </a:p>
           <a:p>
             <a:pPr marL="514350" indent="-285750" algn="just">
               <a:buFont typeface="Arial" panose="020B0604020202020204" pitchFamily="34" charset="0"/>
@@ -14454,7 +14698,7 @@
             </a:pPr>
             <a:fld id="{00000000-1234-1234-1234-123412341234}" type="slidenum">
               <a:rPr lang="en-US" smtClean="0"/>
-              <a:t>10</a:t>
+              <a:t>11</a:t>
             </a:fld>
             <a:endParaRPr lang="en-US" dirty="0"/>
           </a:p>
@@ -14494,7 +14738,7 @@
         </p:blipFill>
         <p:spPr>
           <a:xfrm>
-            <a:off x="5350323" y="1600200"/>
+            <a:off x="5384886" y="1254821"/>
             <a:ext cx="6430912" cy="4572001"/>
           </a:xfrm>
         </p:spPr>
@@ -14606,6 +14850,39 @@
           </a:p>
         </p:txBody>
       </p:sp>
+      <p:pic>
+        <p:nvPicPr>
+          <p:cNvPr id="3" name="Google Shape;131;p2">
+            <a:extLst>
+              <a:ext uri="{FF2B5EF4-FFF2-40B4-BE49-F238E27FC236}">
+                <a16:creationId xmlns:a16="http://schemas.microsoft.com/office/drawing/2014/main" id="{E2B141F5-3354-32D6-45FF-83706021C127}"/>
+              </a:ext>
+            </a:extLst>
+          </p:cNvPr>
+          <p:cNvPicPr preferRelativeResize="0"/>
+          <p:nvPr/>
+        </p:nvPicPr>
+        <p:blipFill rotWithShape="1">
+          <a:blip r:embed="rId4">
+            <a:alphaModFix/>
+          </a:blip>
+          <a:srcRect/>
+          <a:stretch/>
+        </p:blipFill>
+        <p:spPr>
+          <a:xfrm>
+            <a:off x="10919540" y="150750"/>
+            <a:ext cx="1233271" cy="1029803"/>
+          </a:xfrm>
+          <a:prstGeom prst="rect">
+            <a:avLst/>
+          </a:prstGeom>
+          <a:noFill/>
+          <a:ln>
+            <a:noFill/>
+          </a:ln>
+        </p:spPr>
+      </p:pic>
     </p:spTree>
     <p:extLst>
       <p:ext uri="{BB962C8B-B14F-4D97-AF65-F5344CB8AC3E}">
@@ -14622,7 +14899,7 @@
         <p:fade/>
       </p:transition>
     </mc:Choice>
-    <mc:Fallback xmlns="" xmlns:mv="urn:schemas-microsoft-com:mac:vml" xmlns:c="http://schemas.openxmlformats.org/drawingml/2006/chart" xmlns:dgm="http://schemas.openxmlformats.org/drawingml/2006/diagram" xmlns:o="urn:schemas-microsoft-com:office:office" xmlns:v="urn:schemas-microsoft-com:vml" xmlns:pvml="urn:schemas-microsoft-com:office:powerpoint" xmlns:com="http://schemas.openxmlformats.org/drawingml/2006/compatibility" xmlns:p15="http://schemas.microsoft.com/office/powerpoint/2012/main" xmlns:ahyp="http://schemas.microsoft.com/office/drawing/2018/hyperlinkcolor">
+    <mc:Fallback xmlns:ahyp="http://schemas.microsoft.com/office/drawing/2018/hyperlinkcolor" xmlns:p15="http://schemas.microsoft.com/office/powerpoint/2012/main" xmlns:com="http://schemas.openxmlformats.org/drawingml/2006/compatibility" xmlns:pvml="urn:schemas-microsoft-com:office:powerpoint" xmlns:v="urn:schemas-microsoft-com:vml" xmlns:o="urn:schemas-microsoft-com:office:office" xmlns:dgm="http://schemas.openxmlformats.org/drawingml/2006/diagram" xmlns:c="http://schemas.openxmlformats.org/drawingml/2006/chart" xmlns:mv="urn:schemas-microsoft-com:mac:vml" xmlns="">
       <p:transition spd="slow">
         <p:fade/>
       </p:transition>
@@ -14631,7 +14908,7 @@
 </p:sld>
 </file>
 
-<file path=ppt/slides/slide11.xml><?xml version="1.0" encoding="utf-8"?>
+<file path=ppt/slides/slide12.xml><?xml version="1.0" encoding="utf-8"?>
 <p:sld xmlns:a="http://schemas.openxmlformats.org/drawingml/2006/main" xmlns:r="http://schemas.openxmlformats.org/officeDocument/2006/relationships" xmlns:p="http://schemas.openxmlformats.org/presentationml/2006/main">
   <p:cSld>
     <p:spTree>
@@ -14795,6 +15072,39 @@
           </a:p>
         </p:txBody>
       </p:sp>
+      <p:pic>
+        <p:nvPicPr>
+          <p:cNvPr id="2" name="Google Shape;131;p2">
+            <a:extLst>
+              <a:ext uri="{FF2B5EF4-FFF2-40B4-BE49-F238E27FC236}">
+                <a16:creationId xmlns:a16="http://schemas.microsoft.com/office/drawing/2014/main" id="{9B69F238-9D5A-71F8-E9F0-CFD439F2C342}"/>
+              </a:ext>
+            </a:extLst>
+          </p:cNvPr>
+          <p:cNvPicPr preferRelativeResize="0"/>
+          <p:nvPr/>
+        </p:nvPicPr>
+        <p:blipFill rotWithShape="1">
+          <a:blip r:embed="rId3">
+            <a:alphaModFix/>
+          </a:blip>
+          <a:srcRect/>
+          <a:stretch/>
+        </p:blipFill>
+        <p:spPr>
+          <a:xfrm>
+            <a:off x="10919540" y="150750"/>
+            <a:ext cx="1233271" cy="1029803"/>
+          </a:xfrm>
+          <a:prstGeom prst="rect">
+            <a:avLst/>
+          </a:prstGeom>
+          <a:noFill/>
+          <a:ln>
+            <a:noFill/>
+          </a:ln>
+        </p:spPr>
+      </p:pic>
     </p:spTree>
     <p:extLst>
       <p:ext uri="{BB962C8B-B14F-4D97-AF65-F5344CB8AC3E}">
@@ -14811,7 +15121,7 @@
         <p:fade/>
       </p:transition>
     </mc:Choice>
-    <mc:Fallback xmlns="" xmlns:mv="urn:schemas-microsoft-com:mac:vml" xmlns:c="http://schemas.openxmlformats.org/drawingml/2006/chart" xmlns:dgm="http://schemas.openxmlformats.org/drawingml/2006/diagram" xmlns:o="urn:schemas-microsoft-com:office:office" xmlns:v="urn:schemas-microsoft-com:vml" xmlns:pvml="urn:schemas-microsoft-com:office:powerpoint" xmlns:com="http://schemas.openxmlformats.org/drawingml/2006/compatibility" xmlns:p15="http://schemas.microsoft.com/office/powerpoint/2012/main" xmlns:ahyp="http://schemas.microsoft.com/office/drawing/2018/hyperlinkcolor">
+    <mc:Fallback xmlns:ahyp="http://schemas.microsoft.com/office/drawing/2018/hyperlinkcolor" xmlns:p15="http://schemas.microsoft.com/office/powerpoint/2012/main" xmlns:com="http://schemas.openxmlformats.org/drawingml/2006/compatibility" xmlns:pvml="urn:schemas-microsoft-com:office:powerpoint" xmlns:v="urn:schemas-microsoft-com:vml" xmlns:o="urn:schemas-microsoft-com:office:office" xmlns:dgm="http://schemas.openxmlformats.org/drawingml/2006/diagram" xmlns:c="http://schemas.openxmlformats.org/drawingml/2006/chart" xmlns:mv="urn:schemas-microsoft-com:mac:vml" xmlns="">
       <p:transition spd="slow">
         <p:fade/>
       </p:transition>
@@ -14820,7 +15130,7 @@
 </p:sld>
 </file>
 
-<file path=ppt/slides/slide12.xml><?xml version="1.0" encoding="utf-8"?>
+<file path=ppt/slides/slide13.xml><?xml version="1.0" encoding="utf-8"?>
 <p:sld xmlns:a="http://schemas.openxmlformats.org/drawingml/2006/main" xmlns:r="http://schemas.openxmlformats.org/officeDocument/2006/relationships" xmlns:p="http://schemas.openxmlformats.org/presentationml/2006/main">
   <p:cSld>
     <p:spTree>
@@ -14939,7 +15249,7 @@
             </a:pPr>
             <a:fld id="{00000000-1234-1234-1234-123412341234}" type="slidenum">
               <a:rPr lang="en-US" smtClean="0"/>
-              <a:t>12</a:t>
+              <a:t>13</a:t>
             </a:fld>
             <a:endParaRPr lang="en-US" dirty="0"/>
           </a:p>
@@ -15052,6 +15362,39 @@
           </a:p>
         </p:txBody>
       </p:sp>
+      <p:pic>
+        <p:nvPicPr>
+          <p:cNvPr id="7" name="Google Shape;131;p2">
+            <a:extLst>
+              <a:ext uri="{FF2B5EF4-FFF2-40B4-BE49-F238E27FC236}">
+                <a16:creationId xmlns:a16="http://schemas.microsoft.com/office/drawing/2014/main" id="{9A2B49D4-8087-8DF4-7406-A44CF473781F}"/>
+              </a:ext>
+            </a:extLst>
+          </p:cNvPr>
+          <p:cNvPicPr preferRelativeResize="0"/>
+          <p:nvPr/>
+        </p:nvPicPr>
+        <p:blipFill rotWithShape="1">
+          <a:blip r:embed="rId2">
+            <a:alphaModFix/>
+          </a:blip>
+          <a:srcRect/>
+          <a:stretch/>
+        </p:blipFill>
+        <p:spPr>
+          <a:xfrm>
+            <a:off x="10919540" y="150750"/>
+            <a:ext cx="1233271" cy="1029803"/>
+          </a:xfrm>
+          <a:prstGeom prst="rect">
+            <a:avLst/>
+          </a:prstGeom>
+          <a:noFill/>
+          <a:ln>
+            <a:noFill/>
+          </a:ln>
+        </p:spPr>
+      </p:pic>
     </p:spTree>
     <p:extLst>
       <p:ext uri="{BB962C8B-B14F-4D97-AF65-F5344CB8AC3E}">
@@ -15068,7 +15411,7 @@
         <p:fade/>
       </p:transition>
     </mc:Choice>
-    <mc:Fallback xmlns="" xmlns:mv="urn:schemas-microsoft-com:mac:vml" xmlns:c="http://schemas.openxmlformats.org/drawingml/2006/chart" xmlns:dgm="http://schemas.openxmlformats.org/drawingml/2006/diagram" xmlns:o="urn:schemas-microsoft-com:office:office" xmlns:v="urn:schemas-microsoft-com:vml" xmlns:pvml="urn:schemas-microsoft-com:office:powerpoint" xmlns:com="http://schemas.openxmlformats.org/drawingml/2006/compatibility" xmlns:p15="http://schemas.microsoft.com/office/powerpoint/2012/main" xmlns:ahyp="http://schemas.microsoft.com/office/drawing/2018/hyperlinkcolor">
+    <mc:Fallback xmlns:ahyp="http://schemas.microsoft.com/office/drawing/2018/hyperlinkcolor" xmlns:p15="http://schemas.microsoft.com/office/powerpoint/2012/main" xmlns:com="http://schemas.openxmlformats.org/drawingml/2006/compatibility" xmlns:pvml="urn:schemas-microsoft-com:office:powerpoint" xmlns:v="urn:schemas-microsoft-com:vml" xmlns:o="urn:schemas-microsoft-com:office:office" xmlns:dgm="http://schemas.openxmlformats.org/drawingml/2006/diagram" xmlns:c="http://schemas.openxmlformats.org/drawingml/2006/chart" xmlns:mv="urn:schemas-microsoft-com:mac:vml" xmlns="">
       <p:transition spd="slow">
         <p:fade/>
       </p:transition>
@@ -15077,7 +15420,7 @@
 </p:sld>
 </file>
 
-<file path=ppt/slides/slide13.xml><?xml version="1.0" encoding="utf-8"?>
+<file path=ppt/slides/slide14.xml><?xml version="1.0" encoding="utf-8"?>
 <p:sld xmlns:a="http://schemas.openxmlformats.org/drawingml/2006/main" xmlns:r="http://schemas.openxmlformats.org/officeDocument/2006/relationships" xmlns:p="http://schemas.openxmlformats.org/presentationml/2006/main">
   <p:cSld>
     <p:spTree>
@@ -15152,7 +15495,7 @@
           <a:p>
             <a:r>
               <a:rPr lang="en-US" dirty="0"/>
-              <a:t> Our proposal can easily be extended to other programming languages or specifications by simply adding a source-specific parser module and a Solidity AST translator module in phase 1. </a:t>
+              <a:t>Our proposal can easily be extended to other programming languages or specifications by simply adding a source-specific parser module and a Solidity AST translator module in phase 1. </a:t>
             </a:r>
           </a:p>
           <a:p>
@@ -15202,12 +15545,152 @@
             </a:pPr>
             <a:fld id="{00000000-1234-1234-1234-123412341234}" type="slidenum">
               <a:rPr lang="en-US" smtClean="0"/>
-              <a:t>13</a:t>
+              <a:t>14</a:t>
             </a:fld>
             <a:endParaRPr lang="en-US"/>
           </a:p>
         </p:txBody>
       </p:sp>
+      <p:sp>
+        <p:nvSpPr>
+          <p:cNvPr id="5" name="Google Shape;132;p2">
+            <a:extLst>
+              <a:ext uri="{FF2B5EF4-FFF2-40B4-BE49-F238E27FC236}">
+                <a16:creationId xmlns:a16="http://schemas.microsoft.com/office/drawing/2014/main" id="{057D1092-A92D-43E0-1CE9-83212A53DE49}"/>
+              </a:ext>
+            </a:extLst>
+          </p:cNvPr>
+          <p:cNvSpPr txBox="1">
+            <a:spLocks noGrp="1"/>
+          </p:cNvSpPr>
+          <p:nvPr>
+            <p:ph type="ftr" idx="11"/>
+          </p:nvPr>
+        </p:nvSpPr>
+        <p:spPr>
+          <a:xfrm>
+            <a:off x="2934459" y="6356350"/>
+            <a:ext cx="6323082" cy="365126"/>
+          </a:xfrm>
+          <a:prstGeom prst="rect">
+            <a:avLst/>
+          </a:prstGeom>
+          <a:noFill/>
+          <a:ln>
+            <a:noFill/>
+          </a:ln>
+        </p:spPr>
+        <p:txBody>
+          <a:bodyPr spcFirstLastPara="1" wrap="square" lIns="0" tIns="45700" rIns="0" bIns="45700" anchor="ctr" anchorCtr="0">
+            <a:noAutofit/>
+          </a:bodyPr>
+          <a:lstStyle/>
+          <a:p>
+            <a:pPr marL="0" lvl="0" indent="0" algn="ctr" rtl="0">
+              <a:spcBef>
+                <a:spcPts val="0"/>
+              </a:spcBef>
+              <a:spcAft>
+                <a:spcPts val="0"/>
+              </a:spcAft>
+              <a:buNone/>
+            </a:pPr>
+            <a:r>
+              <a:rPr lang="en-US" sz="1200" dirty="0">
+                <a:latin typeface="Times New Roman" panose="02020603050405020304" pitchFamily="18" charset="0"/>
+                <a:cs typeface="Times New Roman" panose="02020603050405020304" pitchFamily="18" charset="0"/>
+              </a:rPr>
+              <a:t>An Automated Framework for Migrating Java Applications to Ethereum Solidity Applications</a:t>
+            </a:r>
+            <a:endParaRPr dirty="0"/>
+          </a:p>
+        </p:txBody>
+      </p:sp>
+      <p:sp>
+        <p:nvSpPr>
+          <p:cNvPr id="6" name="Google Shape;133;p2">
+            <a:extLst>
+              <a:ext uri="{FF2B5EF4-FFF2-40B4-BE49-F238E27FC236}">
+                <a16:creationId xmlns:a16="http://schemas.microsoft.com/office/drawing/2014/main" id="{42A2BA62-6A43-0B48-1DAB-76EC49171476}"/>
+              </a:ext>
+            </a:extLst>
+          </p:cNvPr>
+          <p:cNvSpPr txBox="1">
+            <a:spLocks noGrp="1"/>
+          </p:cNvSpPr>
+          <p:nvPr>
+            <p:ph type="dt" idx="10"/>
+          </p:nvPr>
+        </p:nvSpPr>
+        <p:spPr>
+          <a:xfrm>
+            <a:off x="825024" y="6356350"/>
+            <a:ext cx="2109300" cy="365100"/>
+          </a:xfrm>
+          <a:prstGeom prst="rect">
+            <a:avLst/>
+          </a:prstGeom>
+          <a:noFill/>
+          <a:ln>
+            <a:noFill/>
+          </a:ln>
+        </p:spPr>
+        <p:txBody>
+          <a:bodyPr spcFirstLastPara="1" wrap="square" lIns="0" tIns="45700" rIns="0" bIns="45700" anchor="ctr" anchorCtr="0">
+            <a:noAutofit/>
+          </a:bodyPr>
+          <a:lstStyle/>
+          <a:p>
+            <a:pPr marL="0" lvl="0" indent="0" algn="l" rtl="0">
+              <a:spcBef>
+                <a:spcPts val="0"/>
+              </a:spcBef>
+              <a:spcAft>
+                <a:spcPts val="0"/>
+              </a:spcAft>
+              <a:buNone/>
+            </a:pPr>
+            <a:r>
+              <a:rPr lang="en-US" dirty="0"/>
+              <a:t>9/24/2022</a:t>
+            </a:r>
+            <a:endParaRPr dirty="0"/>
+          </a:p>
+        </p:txBody>
+      </p:sp>
+      <p:pic>
+        <p:nvPicPr>
+          <p:cNvPr id="7" name="Google Shape;131;p2">
+            <a:extLst>
+              <a:ext uri="{FF2B5EF4-FFF2-40B4-BE49-F238E27FC236}">
+                <a16:creationId xmlns:a16="http://schemas.microsoft.com/office/drawing/2014/main" id="{CFB769C2-60A3-5479-3661-E2BA00BF8209}"/>
+              </a:ext>
+            </a:extLst>
+          </p:cNvPr>
+          <p:cNvPicPr preferRelativeResize="0"/>
+          <p:nvPr/>
+        </p:nvPicPr>
+        <p:blipFill rotWithShape="1">
+          <a:blip r:embed="rId2">
+            <a:alphaModFix/>
+          </a:blip>
+          <a:srcRect/>
+          <a:stretch/>
+        </p:blipFill>
+        <p:spPr>
+          <a:xfrm>
+            <a:off x="10919540" y="150750"/>
+            <a:ext cx="1233271" cy="1029803"/>
+          </a:xfrm>
+          <a:prstGeom prst="rect">
+            <a:avLst/>
+          </a:prstGeom>
+          <a:noFill/>
+          <a:ln>
+            <a:noFill/>
+          </a:ln>
+        </p:spPr>
+      </p:pic>
     </p:spTree>
     <p:extLst>
       <p:ext uri="{BB962C8B-B14F-4D97-AF65-F5344CB8AC3E}">
@@ -15224,7 +15707,7 @@
         <p:fade/>
       </p:transition>
     </mc:Choice>
-    <mc:Fallback xmlns="" xmlns:mv="urn:schemas-microsoft-com:mac:vml" xmlns:c="http://schemas.openxmlformats.org/drawingml/2006/chart" xmlns:dgm="http://schemas.openxmlformats.org/drawingml/2006/diagram" xmlns:o="urn:schemas-microsoft-com:office:office" xmlns:v="urn:schemas-microsoft-com:vml" xmlns:pvml="urn:schemas-microsoft-com:office:powerpoint" xmlns:com="http://schemas.openxmlformats.org/drawingml/2006/compatibility" xmlns:p15="http://schemas.microsoft.com/office/powerpoint/2012/main" xmlns:ahyp="http://schemas.microsoft.com/office/drawing/2018/hyperlinkcolor">
+    <mc:Fallback xmlns:ahyp="http://schemas.microsoft.com/office/drawing/2018/hyperlinkcolor" xmlns:p15="http://schemas.microsoft.com/office/powerpoint/2012/main" xmlns:com="http://schemas.openxmlformats.org/drawingml/2006/compatibility" xmlns:pvml="urn:schemas-microsoft-com:office:powerpoint" xmlns:v="urn:schemas-microsoft-com:vml" xmlns:o="urn:schemas-microsoft-com:office:office" xmlns:dgm="http://schemas.openxmlformats.org/drawingml/2006/diagram" xmlns:c="http://schemas.openxmlformats.org/drawingml/2006/chart" xmlns:mv="urn:schemas-microsoft-com:mac:vml" xmlns="">
       <p:transition spd="slow">
         <p:fade/>
       </p:transition>
@@ -15233,7 +15716,7 @@
 </p:sld>
 </file>
 
-<file path=ppt/slides/slide14.xml><?xml version="1.0" encoding="utf-8"?>
+<file path=ppt/slides/slide15.xml><?xml version="1.0" encoding="utf-8"?>
 <p:sld xmlns:a="http://schemas.openxmlformats.org/drawingml/2006/main" xmlns:r="http://schemas.openxmlformats.org/officeDocument/2006/relationships" xmlns:p="http://schemas.openxmlformats.org/presentationml/2006/main">
   <p:cSld>
     <p:spTree>
@@ -15298,325 +15781,198 @@
         <p:spPr/>
         <p:txBody>
           <a:bodyPr>
-            <a:normAutofit fontScale="85000" lnSpcReduction="10000"/>
+            <a:normAutofit/>
           </a:bodyPr>
           <a:lstStyle/>
           <a:p>
-            <a:pPr marL="342900" lvl="0" indent="-342900">
+            <a:pPr marL="571500" lvl="0" indent="-457200">
               <a:lnSpc>
-                <a:spcPct val="115000"/>
+                <a:spcPct val="100000"/>
               </a:lnSpc>
               <a:buFont typeface="+mj-lt"/>
               <a:buAutoNum type="arabicPeriod"/>
             </a:pPr>
             <a:r>
-              <a:rPr lang="en-US" sz="1800" dirty="0">
-                <a:effectLst/>
-                <a:latin typeface="Times New Roman" panose="02020603050405020304" pitchFamily="18" charset="0"/>
-                <a:ea typeface="Times New Roman" panose="02020603050405020304" pitchFamily="18" charset="0"/>
-              </a:rPr>
+              <a:rPr lang="en-US" sz="1400" dirty="0"/>
               <a:t>F. Casino, T. K. </a:t>
             </a:r>
             <a:r>
-              <a:rPr lang="en-US" sz="1800" dirty="0" err="1">
-                <a:effectLst/>
-                <a:latin typeface="Times New Roman" panose="02020603050405020304" pitchFamily="18" charset="0"/>
-                <a:ea typeface="Times New Roman" panose="02020603050405020304" pitchFamily="18" charset="0"/>
-              </a:rPr>
+              <a:rPr lang="en-US" sz="1400" dirty="0" err="1"/>
               <a:t>Dasaklis</a:t>
             </a:r>
             <a:r>
-              <a:rPr lang="en-US" sz="1800" dirty="0">
-                <a:effectLst/>
-                <a:latin typeface="Times New Roman" panose="02020603050405020304" pitchFamily="18" charset="0"/>
-                <a:ea typeface="Times New Roman" panose="02020603050405020304" pitchFamily="18" charset="0"/>
-              </a:rPr>
+              <a:rPr lang="en-US" sz="1400" dirty="0"/>
               <a:t> and C. </a:t>
             </a:r>
             <a:r>
-              <a:rPr lang="en-US" sz="1800" dirty="0" err="1">
-                <a:effectLst/>
-                <a:latin typeface="Times New Roman" panose="02020603050405020304" pitchFamily="18" charset="0"/>
-                <a:ea typeface="Times New Roman" panose="02020603050405020304" pitchFamily="18" charset="0"/>
-              </a:rPr>
+              <a:rPr lang="en-US" sz="1400" dirty="0" err="1"/>
               <a:t>Patsakis</a:t>
             </a:r>
             <a:r>
-              <a:rPr lang="en-US" sz="1800" dirty="0">
-                <a:effectLst/>
-                <a:latin typeface="Times New Roman" panose="02020603050405020304" pitchFamily="18" charset="0"/>
-                <a:ea typeface="Times New Roman" panose="02020603050405020304" pitchFamily="18" charset="0"/>
-              </a:rPr>
+              <a:rPr lang="en-US" sz="1400" dirty="0"/>
               <a:t>, "A systematic literature review of blockchain-based applications: Current status classification and open issues", Telematics and Informatics, vol. 36, pp. 55-81, 2019.</a:t>
             </a:r>
-            <a:endParaRPr lang="en-IN" sz="1800" dirty="0">
-              <a:effectLst/>
-              <a:latin typeface="Calibri" panose="020F0502020204030204" pitchFamily="34" charset="0"/>
-              <a:ea typeface="Calibri" panose="020F0502020204030204" pitchFamily="34" charset="0"/>
-            </a:endParaRPr>
-          </a:p>
-          <a:p>
-            <a:pPr marL="342900" lvl="0" indent="-342900">
+            <a:endParaRPr lang="en-IN" sz="1400" dirty="0"/>
+          </a:p>
+          <a:p>
+            <a:pPr marL="571500" lvl="0" indent="-457200">
               <a:lnSpc>
-                <a:spcPct val="115000"/>
+                <a:spcPct val="100000"/>
               </a:lnSpc>
               <a:buFont typeface="+mj-lt"/>
               <a:buAutoNum type="arabicPeriod"/>
             </a:pPr>
             <a:r>
-              <a:rPr lang="en-US" sz="1800" dirty="0">
-                <a:effectLst/>
-                <a:latin typeface="Times New Roman" panose="02020603050405020304" pitchFamily="18" charset="0"/>
-                <a:ea typeface="Times New Roman" panose="02020603050405020304" pitchFamily="18" charset="0"/>
-              </a:rPr>
+              <a:rPr lang="en-US" sz="1400" dirty="0"/>
               <a:t>S. Nakamoto, Bitcoin: A peer-to-peer electronic cash system, 2008, [online] Available: https://bitcoin.orgibitcoin.pdf.</a:t>
             </a:r>
-            <a:endParaRPr lang="en-IN" sz="1800" dirty="0">
-              <a:effectLst/>
-              <a:latin typeface="Calibri" panose="020F0502020204030204" pitchFamily="34" charset="0"/>
-              <a:ea typeface="Calibri" panose="020F0502020204030204" pitchFamily="34" charset="0"/>
-            </a:endParaRPr>
-          </a:p>
-          <a:p>
-            <a:pPr marL="342900" lvl="0" indent="-342900">
+            <a:endParaRPr lang="en-IN" sz="1400" dirty="0"/>
+          </a:p>
+          <a:p>
+            <a:pPr marL="571500" lvl="0" indent="-457200">
               <a:lnSpc>
-                <a:spcPct val="115000"/>
+                <a:spcPct val="100000"/>
               </a:lnSpc>
               <a:buFont typeface="+mj-lt"/>
               <a:buAutoNum type="arabicPeriod"/>
             </a:pPr>
             <a:r>
-              <a:rPr lang="en-US" sz="1800" dirty="0">
-                <a:effectLst/>
-                <a:latin typeface="Times New Roman" panose="02020603050405020304" pitchFamily="18" charset="0"/>
-                <a:ea typeface="Times New Roman" panose="02020603050405020304" pitchFamily="18" charset="0"/>
-              </a:rPr>
+              <a:rPr lang="en-US" sz="1400" dirty="0"/>
               <a:t>G. Wood, Ethereum: A secure </a:t>
             </a:r>
             <a:r>
-              <a:rPr lang="en-US" sz="1800" dirty="0" err="1">
-                <a:effectLst/>
-                <a:latin typeface="Times New Roman" panose="02020603050405020304" pitchFamily="18" charset="0"/>
-                <a:ea typeface="Times New Roman" panose="02020603050405020304" pitchFamily="18" charset="0"/>
-              </a:rPr>
+              <a:rPr lang="en-US" sz="1400" dirty="0" err="1"/>
               <a:t>decentralised</a:t>
             </a:r>
             <a:r>
-              <a:rPr lang="en-US" sz="1800" dirty="0">
-                <a:effectLst/>
-                <a:latin typeface="Times New Roman" panose="02020603050405020304" pitchFamily="18" charset="0"/>
-                <a:ea typeface="Times New Roman" panose="02020603050405020304" pitchFamily="18" charset="0"/>
-              </a:rPr>
+              <a:rPr lang="en-US" sz="1400" dirty="0"/>
               <a:t> </a:t>
             </a:r>
             <a:r>
-              <a:rPr lang="en-US" sz="1800" dirty="0" err="1">
-                <a:effectLst/>
-                <a:latin typeface="Times New Roman" panose="02020603050405020304" pitchFamily="18" charset="0"/>
-                <a:ea typeface="Times New Roman" panose="02020603050405020304" pitchFamily="18" charset="0"/>
-              </a:rPr>
+              <a:rPr lang="en-US" sz="1400" dirty="0" err="1"/>
               <a:t>generalised</a:t>
             </a:r>
             <a:r>
-              <a:rPr lang="en-US" sz="1800" dirty="0">
-                <a:effectLst/>
-                <a:latin typeface="Times New Roman" panose="02020603050405020304" pitchFamily="18" charset="0"/>
-                <a:ea typeface="Times New Roman" panose="02020603050405020304" pitchFamily="18" charset="0"/>
-              </a:rPr>
+              <a:rPr lang="en-US" sz="1400" dirty="0"/>
               <a:t> transaction ledger, 2014, [online] Available.</a:t>
             </a:r>
-            <a:endParaRPr lang="en-IN" sz="1800" dirty="0">
-              <a:effectLst/>
-              <a:latin typeface="Calibri" panose="020F0502020204030204" pitchFamily="34" charset="0"/>
-              <a:ea typeface="Calibri" panose="020F0502020204030204" pitchFamily="34" charset="0"/>
-            </a:endParaRPr>
-          </a:p>
-          <a:p>
-            <a:pPr marL="342900" lvl="0" indent="-342900">
+            <a:endParaRPr lang="en-IN" sz="1400" dirty="0"/>
+          </a:p>
+          <a:p>
+            <a:pPr marL="571500" lvl="0" indent="-457200">
               <a:lnSpc>
-                <a:spcPct val="115000"/>
+                <a:spcPct val="100000"/>
               </a:lnSpc>
               <a:buFont typeface="+mj-lt"/>
               <a:buAutoNum type="arabicPeriod"/>
             </a:pPr>
             <a:r>
-              <a:rPr lang="en-US" sz="1800" dirty="0">
-                <a:effectLst/>
-                <a:latin typeface="Times New Roman" panose="02020603050405020304" pitchFamily="18" charset="0"/>
-                <a:ea typeface="Times New Roman" panose="02020603050405020304" pitchFamily="18" charset="0"/>
-              </a:rPr>
+              <a:rPr lang="en-US" sz="1400" dirty="0"/>
               <a:t>Solidity documentation - release 0.8.4, [online] Available: </a:t>
             </a:r>
             <a:r>
-              <a:rPr lang="en-US" sz="1800" u="sng" dirty="0">
-                <a:solidFill>
-                  <a:srgbClr val="0000FF"/>
-                </a:solidFill>
-                <a:effectLst/>
-                <a:latin typeface="Times New Roman" panose="02020603050405020304" pitchFamily="18" charset="0"/>
-                <a:ea typeface="Times New Roman" panose="02020603050405020304" pitchFamily="18" charset="0"/>
-                <a:hlinkClick r:id="rId2"/>
+              <a:rPr lang="en-US" sz="1400" dirty="0">
+                <a:hlinkClick r:id="rId2">
+                  <a:extLst>
+                    <a:ext uri="{A12FA001-AC4F-418D-AE19-62706E023703}">
+                      <ahyp:hlinkClr xmlns:ahyp="http://schemas.microsoft.com/office/drawing/2018/hyperlinkcolor" val="tx"/>
+                    </a:ext>
+                  </a:extLst>
+                </a:hlinkClick>
               </a:rPr>
               <a:t>http://solidity.readthedocs.io/</a:t>
             </a:r>
             <a:r>
-              <a:rPr lang="en-US" sz="1800" dirty="0">
-                <a:effectLst/>
-                <a:latin typeface="Times New Roman" panose="02020603050405020304" pitchFamily="18" charset="0"/>
-                <a:ea typeface="Times New Roman" panose="02020603050405020304" pitchFamily="18" charset="0"/>
-              </a:rPr>
+              <a:rPr lang="en-US" sz="1400" dirty="0"/>
               <a:t>.</a:t>
             </a:r>
-            <a:endParaRPr lang="en-IN" sz="1800" dirty="0">
-              <a:effectLst/>
-              <a:latin typeface="Calibri" panose="020F0502020204030204" pitchFamily="34" charset="0"/>
-              <a:ea typeface="Calibri" panose="020F0502020204030204" pitchFamily="34" charset="0"/>
-            </a:endParaRPr>
-          </a:p>
-          <a:p>
-            <a:pPr marL="342900" lvl="0" indent="-342900">
+            <a:endParaRPr lang="en-IN" sz="1400" dirty="0"/>
+          </a:p>
+          <a:p>
+            <a:pPr marL="571500" lvl="0" indent="-457200">
               <a:lnSpc>
-                <a:spcPct val="115000"/>
+                <a:spcPct val="100000"/>
               </a:lnSpc>
               <a:buFont typeface="+mj-lt"/>
               <a:buAutoNum type="arabicPeriod"/>
             </a:pPr>
             <a:r>
-              <a:rPr lang="en-US" sz="1800" dirty="0">
-                <a:effectLst/>
-                <a:latin typeface="Times New Roman" panose="02020603050405020304" pitchFamily="18" charset="0"/>
-                <a:ea typeface="Times New Roman" panose="02020603050405020304" pitchFamily="18" charset="0"/>
-              </a:rPr>
+              <a:rPr lang="en-US" sz="1400" dirty="0"/>
               <a:t>F. </a:t>
             </a:r>
             <a:r>
-              <a:rPr lang="en-US" sz="1800" dirty="0" err="1">
-                <a:effectLst/>
-                <a:latin typeface="Times New Roman" panose="02020603050405020304" pitchFamily="18" charset="0"/>
-                <a:ea typeface="Times New Roman" panose="02020603050405020304" pitchFamily="18" charset="0"/>
-              </a:rPr>
+              <a:rPr lang="en-US" sz="1400" dirty="0" err="1"/>
               <a:t>Spoto</a:t>
             </a:r>
             <a:r>
-              <a:rPr lang="en-US" sz="1800" dirty="0">
-                <a:effectLst/>
-                <a:latin typeface="Times New Roman" panose="02020603050405020304" pitchFamily="18" charset="0"/>
-                <a:ea typeface="Times New Roman" panose="02020603050405020304" pitchFamily="18" charset="0"/>
-              </a:rPr>
+              <a:rPr lang="en-US" sz="1400" dirty="0"/>
               <a:t>, "A java framework for smart contracts", Proceedings of the Financial Cryptography and Data Security Workshop on Trusted Smart Contracts (WTSC‘19), vol. LNCS 11599, pp. 122-137, February 18–22 2019.</a:t>
             </a:r>
-            <a:endParaRPr lang="en-IN" sz="1800" dirty="0">
-              <a:effectLst/>
-              <a:latin typeface="Calibri" panose="020F0502020204030204" pitchFamily="34" charset="0"/>
-              <a:ea typeface="Calibri" panose="020F0502020204030204" pitchFamily="34" charset="0"/>
-            </a:endParaRPr>
-          </a:p>
-          <a:p>
-            <a:pPr marL="342900" lvl="0" indent="-342900">
+            <a:endParaRPr lang="en-IN" sz="1400" dirty="0"/>
+          </a:p>
+          <a:p>
+            <a:pPr marL="571500" lvl="0" indent="-457200">
               <a:lnSpc>
-                <a:spcPct val="115000"/>
+                <a:spcPct val="100000"/>
               </a:lnSpc>
               <a:buFont typeface="+mj-lt"/>
               <a:buAutoNum type="arabicPeriod"/>
             </a:pPr>
             <a:r>
-              <a:rPr lang="en-US" sz="1800" dirty="0" err="1">
-                <a:effectLst/>
-                <a:latin typeface="Times New Roman" panose="02020603050405020304" pitchFamily="18" charset="0"/>
-                <a:ea typeface="Times New Roman" panose="02020603050405020304" pitchFamily="18" charset="0"/>
-              </a:rPr>
+              <a:rPr lang="en-US" sz="1400" dirty="0" err="1"/>
               <a:t>Eosio</a:t>
             </a:r>
             <a:r>
-              <a:rPr lang="en-US" sz="1800" dirty="0">
-                <a:effectLst/>
-                <a:latin typeface="Times New Roman" panose="02020603050405020304" pitchFamily="18" charset="0"/>
-                <a:ea typeface="Times New Roman" panose="02020603050405020304" pitchFamily="18" charset="0"/>
-              </a:rPr>
+              <a:rPr lang="en-US" sz="1400" dirty="0"/>
               <a:t> official portal, [online] Available: </a:t>
             </a:r>
             <a:r>
-              <a:rPr lang="en-US" sz="1800" u="sng" dirty="0">
-                <a:solidFill>
-                  <a:srgbClr val="0000FF"/>
-                </a:solidFill>
-                <a:effectLst/>
-                <a:latin typeface="Times New Roman" panose="02020603050405020304" pitchFamily="18" charset="0"/>
-                <a:ea typeface="Times New Roman" panose="02020603050405020304" pitchFamily="18" charset="0"/>
-                <a:hlinkClick r:id="rId3"/>
+              <a:rPr lang="en-US" sz="1400" dirty="0">
+                <a:hlinkClick r:id="rId3">
+                  <a:extLst>
+                    <a:ext uri="{A12FA001-AC4F-418D-AE19-62706E023703}">
+                      <ahyp:hlinkClr xmlns:ahyp="http://schemas.microsoft.com/office/drawing/2018/hyperlinkcolor" val="tx"/>
+                    </a:ext>
+                  </a:extLst>
+                </a:hlinkClick>
               </a:rPr>
               <a:t>https://eos.io/</a:t>
             </a:r>
             <a:r>
-              <a:rPr lang="en-US" sz="1800" dirty="0">
-                <a:effectLst/>
-                <a:latin typeface="Times New Roman" panose="02020603050405020304" pitchFamily="18" charset="0"/>
-                <a:ea typeface="Times New Roman" panose="02020603050405020304" pitchFamily="18" charset="0"/>
-              </a:rPr>
+              <a:rPr lang="en-US" sz="1400" dirty="0"/>
               <a:t>.</a:t>
             </a:r>
-            <a:endParaRPr lang="en-IN" sz="1800" dirty="0">
-              <a:effectLst/>
-              <a:latin typeface="Calibri" panose="020F0502020204030204" pitchFamily="34" charset="0"/>
-              <a:ea typeface="Calibri" panose="020F0502020204030204" pitchFamily="34" charset="0"/>
-            </a:endParaRPr>
-          </a:p>
-          <a:p>
-            <a:pPr marL="342900" lvl="0" indent="-342900">
+            <a:endParaRPr lang="en-IN" sz="1400" dirty="0"/>
+          </a:p>
+          <a:p>
+            <a:pPr marL="571500" lvl="0" indent="-457200">
               <a:lnSpc>
-                <a:spcPct val="115000"/>
+                <a:spcPct val="100000"/>
               </a:lnSpc>
-              <a:spcAft>
-                <a:spcPts val="1000"/>
-              </a:spcAft>
               <a:buFont typeface="+mj-lt"/>
               <a:buAutoNum type="arabicPeriod"/>
             </a:pPr>
             <a:r>
-              <a:rPr lang="en-US" sz="1800" dirty="0">
-                <a:effectLst/>
-                <a:latin typeface="Times New Roman" panose="02020603050405020304" pitchFamily="18" charset="0"/>
-                <a:ea typeface="Times New Roman" panose="02020603050405020304" pitchFamily="18" charset="0"/>
-              </a:rPr>
+              <a:rPr lang="en-US" sz="1400" dirty="0"/>
               <a:t>E. </a:t>
             </a:r>
             <a:r>
-              <a:rPr lang="en-US" sz="1800" dirty="0" err="1">
-                <a:effectLst/>
-                <a:latin typeface="Times New Roman" panose="02020603050405020304" pitchFamily="18" charset="0"/>
-                <a:ea typeface="Times New Roman" panose="02020603050405020304" pitchFamily="18" charset="0"/>
-              </a:rPr>
+              <a:rPr lang="en-US" sz="1400" dirty="0" err="1"/>
               <a:t>Androulaki</a:t>
             </a:r>
             <a:r>
-              <a:rPr lang="en-US" sz="1800" dirty="0">
-                <a:effectLst/>
-                <a:latin typeface="Times New Roman" panose="02020603050405020304" pitchFamily="18" charset="0"/>
-                <a:ea typeface="Times New Roman" panose="02020603050405020304" pitchFamily="18" charset="0"/>
-              </a:rPr>
+              <a:rPr lang="en-US" sz="1400" dirty="0"/>
               <a:t> et al., "Hyperledger fabric: A distributed operating system for permissioned blockchains", Proceedings of the Thirteenth </a:t>
             </a:r>
             <a:r>
-              <a:rPr lang="en-US" sz="1800" dirty="0" err="1">
-                <a:effectLst/>
-                <a:latin typeface="Times New Roman" panose="02020603050405020304" pitchFamily="18" charset="0"/>
-                <a:ea typeface="Times New Roman" panose="02020603050405020304" pitchFamily="18" charset="0"/>
-              </a:rPr>
+              <a:rPr lang="en-US" sz="1400" dirty="0" err="1"/>
               <a:t>EuroSys</a:t>
             </a:r>
             <a:r>
-              <a:rPr lang="en-US" sz="1800" dirty="0">
-                <a:effectLst/>
-                <a:latin typeface="Times New Roman" panose="02020603050405020304" pitchFamily="18" charset="0"/>
-                <a:ea typeface="Times New Roman" panose="02020603050405020304" pitchFamily="18" charset="0"/>
-              </a:rPr>
+              <a:rPr lang="en-US" sz="1400" dirty="0"/>
               <a:t> Conference (EuroSys‘18), pp. 30:1-30:15, April 23–26 2018</a:t>
             </a:r>
-            <a:endParaRPr lang="en-IN" sz="1800" dirty="0">
-              <a:effectLst/>
-              <a:latin typeface="Calibri" panose="020F0502020204030204" pitchFamily="34" charset="0"/>
-              <a:ea typeface="Calibri" panose="020F0502020204030204" pitchFamily="34" charset="0"/>
-            </a:endParaRPr>
+            <a:endParaRPr lang="en-IN" sz="1400" dirty="0"/>
           </a:p>
         </p:txBody>
       </p:sp>
@@ -15652,12 +16008,152 @@
             </a:pPr>
             <a:fld id="{00000000-1234-1234-1234-123412341234}" type="slidenum">
               <a:rPr lang="en-US" smtClean="0"/>
-              <a:t>14</a:t>
+              <a:t>15</a:t>
             </a:fld>
             <a:endParaRPr lang="en-US"/>
           </a:p>
         </p:txBody>
       </p:sp>
+      <p:sp>
+        <p:nvSpPr>
+          <p:cNvPr id="5" name="Google Shape;132;p2">
+            <a:extLst>
+              <a:ext uri="{FF2B5EF4-FFF2-40B4-BE49-F238E27FC236}">
+                <a16:creationId xmlns:a16="http://schemas.microsoft.com/office/drawing/2014/main" id="{B372ACA3-071C-D5C1-991E-4FDB8B767DDA}"/>
+              </a:ext>
+            </a:extLst>
+          </p:cNvPr>
+          <p:cNvSpPr txBox="1">
+            <a:spLocks noGrp="1"/>
+          </p:cNvSpPr>
+          <p:nvPr>
+            <p:ph type="ftr" idx="11"/>
+          </p:nvPr>
+        </p:nvSpPr>
+        <p:spPr>
+          <a:xfrm>
+            <a:off x="2934459" y="6356350"/>
+            <a:ext cx="6323082" cy="365126"/>
+          </a:xfrm>
+          <a:prstGeom prst="rect">
+            <a:avLst/>
+          </a:prstGeom>
+          <a:noFill/>
+          <a:ln>
+            <a:noFill/>
+          </a:ln>
+        </p:spPr>
+        <p:txBody>
+          <a:bodyPr spcFirstLastPara="1" wrap="square" lIns="0" tIns="45700" rIns="0" bIns="45700" anchor="ctr" anchorCtr="0">
+            <a:noAutofit/>
+          </a:bodyPr>
+          <a:lstStyle/>
+          <a:p>
+            <a:pPr marL="0" lvl="0" indent="0" algn="ctr" rtl="0">
+              <a:spcBef>
+                <a:spcPts val="0"/>
+              </a:spcBef>
+              <a:spcAft>
+                <a:spcPts val="0"/>
+              </a:spcAft>
+              <a:buNone/>
+            </a:pPr>
+            <a:r>
+              <a:rPr lang="en-US" sz="1200" dirty="0">
+                <a:latin typeface="Times New Roman" panose="02020603050405020304" pitchFamily="18" charset="0"/>
+                <a:cs typeface="Times New Roman" panose="02020603050405020304" pitchFamily="18" charset="0"/>
+              </a:rPr>
+              <a:t>An Automated Framework for Migrating Java Applications to Ethereum Solidity Applications</a:t>
+            </a:r>
+            <a:endParaRPr dirty="0"/>
+          </a:p>
+        </p:txBody>
+      </p:sp>
+      <p:sp>
+        <p:nvSpPr>
+          <p:cNvPr id="6" name="Google Shape;133;p2">
+            <a:extLst>
+              <a:ext uri="{FF2B5EF4-FFF2-40B4-BE49-F238E27FC236}">
+                <a16:creationId xmlns:a16="http://schemas.microsoft.com/office/drawing/2014/main" id="{9862D063-DE7F-B109-AA6D-DE61B68BEFC5}"/>
+              </a:ext>
+            </a:extLst>
+          </p:cNvPr>
+          <p:cNvSpPr txBox="1">
+            <a:spLocks noGrp="1"/>
+          </p:cNvSpPr>
+          <p:nvPr>
+            <p:ph type="dt" idx="10"/>
+          </p:nvPr>
+        </p:nvSpPr>
+        <p:spPr>
+          <a:xfrm>
+            <a:off x="825024" y="6356350"/>
+            <a:ext cx="2109300" cy="365100"/>
+          </a:xfrm>
+          <a:prstGeom prst="rect">
+            <a:avLst/>
+          </a:prstGeom>
+          <a:noFill/>
+          <a:ln>
+            <a:noFill/>
+          </a:ln>
+        </p:spPr>
+        <p:txBody>
+          <a:bodyPr spcFirstLastPara="1" wrap="square" lIns="0" tIns="45700" rIns="0" bIns="45700" anchor="ctr" anchorCtr="0">
+            <a:noAutofit/>
+          </a:bodyPr>
+          <a:lstStyle/>
+          <a:p>
+            <a:pPr marL="0" lvl="0" indent="0" algn="l" rtl="0">
+              <a:spcBef>
+                <a:spcPts val="0"/>
+              </a:spcBef>
+              <a:spcAft>
+                <a:spcPts val="0"/>
+              </a:spcAft>
+              <a:buNone/>
+            </a:pPr>
+            <a:r>
+              <a:rPr lang="en-US" dirty="0"/>
+              <a:t>9/24/2022</a:t>
+            </a:r>
+            <a:endParaRPr dirty="0"/>
+          </a:p>
+        </p:txBody>
+      </p:sp>
+      <p:pic>
+        <p:nvPicPr>
+          <p:cNvPr id="7" name="Google Shape;131;p2">
+            <a:extLst>
+              <a:ext uri="{FF2B5EF4-FFF2-40B4-BE49-F238E27FC236}">
+                <a16:creationId xmlns:a16="http://schemas.microsoft.com/office/drawing/2014/main" id="{B9D9C5A5-F864-B199-4B06-6765CD6F54D9}"/>
+              </a:ext>
+            </a:extLst>
+          </p:cNvPr>
+          <p:cNvPicPr preferRelativeResize="0"/>
+          <p:nvPr/>
+        </p:nvPicPr>
+        <p:blipFill rotWithShape="1">
+          <a:blip r:embed="rId4">
+            <a:alphaModFix/>
+          </a:blip>
+          <a:srcRect/>
+          <a:stretch/>
+        </p:blipFill>
+        <p:spPr>
+          <a:xfrm>
+            <a:off x="10919540" y="150750"/>
+            <a:ext cx="1233271" cy="1029803"/>
+          </a:xfrm>
+          <a:prstGeom prst="rect">
+            <a:avLst/>
+          </a:prstGeom>
+          <a:noFill/>
+          <a:ln>
+            <a:noFill/>
+          </a:ln>
+        </p:spPr>
+      </p:pic>
     </p:spTree>
     <p:extLst>
       <p:ext uri="{BB962C8B-B14F-4D97-AF65-F5344CB8AC3E}">
@@ -15674,7 +16170,7 @@
         <p:fade/>
       </p:transition>
     </mc:Choice>
-    <mc:Fallback xmlns="" xmlns:mv="urn:schemas-microsoft-com:mac:vml" xmlns:c="http://schemas.openxmlformats.org/drawingml/2006/chart" xmlns:dgm="http://schemas.openxmlformats.org/drawingml/2006/diagram" xmlns:o="urn:schemas-microsoft-com:office:office" xmlns:v="urn:schemas-microsoft-com:vml" xmlns:pvml="urn:schemas-microsoft-com:office:powerpoint" xmlns:com="http://schemas.openxmlformats.org/drawingml/2006/compatibility" xmlns:p15="http://schemas.microsoft.com/office/powerpoint/2012/main" xmlns:ahyp="http://schemas.microsoft.com/office/drawing/2018/hyperlinkcolor">
+    <mc:Fallback xmlns:ahyp="http://schemas.microsoft.com/office/drawing/2018/hyperlinkcolor" xmlns:p15="http://schemas.microsoft.com/office/powerpoint/2012/main" xmlns:com="http://schemas.openxmlformats.org/drawingml/2006/compatibility" xmlns:pvml="urn:schemas-microsoft-com:office:powerpoint" xmlns:v="urn:schemas-microsoft-com:vml" xmlns:o="urn:schemas-microsoft-com:office:office" xmlns:dgm="http://schemas.openxmlformats.org/drawingml/2006/diagram" xmlns:c="http://schemas.openxmlformats.org/drawingml/2006/chart" xmlns:mv="urn:schemas-microsoft-com:mac:vml" xmlns="">
       <p:transition spd="slow">
         <p:fade/>
       </p:transition>
@@ -15683,7 +16179,7 @@
 </p:sld>
 </file>
 
-<file path=ppt/slides/slide15.xml><?xml version="1.0" encoding="utf-8"?>
+<file path=ppt/slides/slide16.xml><?xml version="1.0" encoding="utf-8"?>
 <p:sld xmlns:a="http://schemas.openxmlformats.org/drawingml/2006/main" xmlns:r="http://schemas.openxmlformats.org/officeDocument/2006/relationships" xmlns:p="http://schemas.openxmlformats.org/presentationml/2006/main">
   <p:cSld>
     <p:spTree>
@@ -15800,8 +16296,12 @@
               <a:buNone/>
             </a:pPr>
             <a:r>
+              <a:rPr lang="en-US" b="1" dirty="0"/>
+              <a:t>Name of Student: </a:t>
+            </a:r>
+            <a:r>
               <a:rPr lang="en-US" dirty="0"/>
-              <a:t>Name of Student: Shirsath Sanket </a:t>
+              <a:t>Shirsath Sanket </a:t>
             </a:r>
             <a:r>
               <a:rPr lang="en-US" dirty="0" err="1"/>
@@ -15827,8 +16327,12 @@
               <a:buNone/>
             </a:pPr>
             <a:r>
+              <a:rPr lang="en-US" b="1" dirty="0"/>
+              <a:t>Email</a:t>
+            </a:r>
+            <a:r>
               <a:rPr lang="en-US" dirty="0"/>
-              <a:t>Email : sanketshirsath226@gmail.com</a:t>
+              <a:t>: sanketshirsath226@gmail.com</a:t>
             </a:r>
             <a:endParaRPr dirty="0"/>
           </a:p>
@@ -15945,7 +16449,7 @@
         <p:fade/>
       </p:transition>
     </mc:Choice>
-    <mc:Fallback xmlns="" xmlns:mv="urn:schemas-microsoft-com:mac:vml" xmlns:c="http://schemas.openxmlformats.org/drawingml/2006/chart" xmlns:dgm="http://schemas.openxmlformats.org/drawingml/2006/diagram" xmlns:o="urn:schemas-microsoft-com:office:office" xmlns:v="urn:schemas-microsoft-com:vml" xmlns:pvml="urn:schemas-microsoft-com:office:powerpoint" xmlns:com="http://schemas.openxmlformats.org/drawingml/2006/compatibility" xmlns:p15="http://schemas.microsoft.com/office/powerpoint/2012/main" xmlns:ahyp="http://schemas.microsoft.com/office/drawing/2018/hyperlinkcolor">
+    <mc:Fallback xmlns:ahyp="http://schemas.microsoft.com/office/drawing/2018/hyperlinkcolor" xmlns:p15="http://schemas.microsoft.com/office/powerpoint/2012/main" xmlns:com="http://schemas.openxmlformats.org/drawingml/2006/compatibility" xmlns:pvml="urn:schemas-microsoft-com:office:powerpoint" xmlns:v="urn:schemas-microsoft-com:vml" xmlns:o="urn:schemas-microsoft-com:office:office" xmlns:dgm="http://schemas.openxmlformats.org/drawingml/2006/diagram" xmlns:c="http://schemas.openxmlformats.org/drawingml/2006/chart" xmlns:mv="urn:schemas-microsoft-com:mac:vml" xmlns="">
       <p:transition spd="slow">
         <p:fade/>
       </p:transition>
@@ -16418,7 +16922,7 @@
         <p:fade/>
       </p:transition>
     </mc:Choice>
-    <mc:Fallback xmlns="" xmlns:mv="urn:schemas-microsoft-com:mac:vml" xmlns:c="http://schemas.openxmlformats.org/drawingml/2006/chart" xmlns:dgm="http://schemas.openxmlformats.org/drawingml/2006/diagram" xmlns:o="urn:schemas-microsoft-com:office:office" xmlns:v="urn:schemas-microsoft-com:vml" xmlns:pvml="urn:schemas-microsoft-com:office:powerpoint" xmlns:com="http://schemas.openxmlformats.org/drawingml/2006/compatibility" xmlns:p15="http://schemas.microsoft.com/office/powerpoint/2012/main" xmlns:ahyp="http://schemas.microsoft.com/office/drawing/2018/hyperlinkcolor">
+    <mc:Fallback xmlns:ahyp="http://schemas.microsoft.com/office/drawing/2018/hyperlinkcolor" xmlns:p15="http://schemas.microsoft.com/office/powerpoint/2012/main" xmlns:com="http://schemas.openxmlformats.org/drawingml/2006/compatibility" xmlns:pvml="urn:schemas-microsoft-com:office:powerpoint" xmlns:v="urn:schemas-microsoft-com:vml" xmlns:o="urn:schemas-microsoft-com:office:office" xmlns:dgm="http://schemas.openxmlformats.org/drawingml/2006/diagram" xmlns:c="http://schemas.openxmlformats.org/drawingml/2006/chart" xmlns:mv="urn:schemas-microsoft-com:mac:vml" xmlns="">
       <p:transition spd="slow">
         <p:fade/>
       </p:transition>
@@ -16641,25 +17145,8 @@
                 <a:latin typeface="Times New Roman" panose="02020603050405020304" pitchFamily="18" charset="0"/>
                 <a:cs typeface="Times New Roman" panose="02020603050405020304" pitchFamily="18" charset="0"/>
               </a:rPr>
-              <a:t>support mainstream languages, such as Java , C++,</a:t>
+              <a:t>support mainstream languages, such as Java , C++,Golang</a:t>
             </a:r>
-            <a:r>
-              <a:rPr lang="en-US" b="1" dirty="0" err="1">
-                <a:solidFill>
-                  <a:srgbClr val="333333"/>
-                </a:solidFill>
-                <a:latin typeface="Times New Roman" panose="02020603050405020304" pitchFamily="18" charset="0"/>
-                <a:cs typeface="Times New Roman" panose="02020603050405020304" pitchFamily="18" charset="0"/>
-              </a:rPr>
-              <a:t>GoLang</a:t>
-            </a:r>
-            <a:endParaRPr lang="en-US" b="1" dirty="0">
-              <a:solidFill>
-                <a:srgbClr val="333333"/>
-              </a:solidFill>
-              <a:latin typeface="Times New Roman" panose="02020603050405020304" pitchFamily="18" charset="0"/>
-              <a:cs typeface="Times New Roman" panose="02020603050405020304" pitchFamily="18" charset="0"/>
-            </a:endParaRPr>
           </a:p>
           <a:p>
             <a:pPr lvl="1"/>
@@ -16942,6 +17429,39 @@
           </a:extLst>
         </p:spPr>
       </p:pic>
+      <p:pic>
+        <p:nvPicPr>
+          <p:cNvPr id="4" name="Google Shape;131;p2">
+            <a:extLst>
+              <a:ext uri="{FF2B5EF4-FFF2-40B4-BE49-F238E27FC236}">
+                <a16:creationId xmlns:a16="http://schemas.microsoft.com/office/drawing/2014/main" id="{3D0C4383-9322-174F-CE36-0B676A28D58B}"/>
+              </a:ext>
+            </a:extLst>
+          </p:cNvPr>
+          <p:cNvPicPr preferRelativeResize="0"/>
+          <p:nvPr/>
+        </p:nvPicPr>
+        <p:blipFill rotWithShape="1">
+          <a:blip r:embed="rId5">
+            <a:alphaModFix/>
+          </a:blip>
+          <a:srcRect/>
+          <a:stretch/>
+        </p:blipFill>
+        <p:spPr>
+          <a:xfrm>
+            <a:off x="10919540" y="150750"/>
+            <a:ext cx="1233271" cy="1029803"/>
+          </a:xfrm>
+          <a:prstGeom prst="rect">
+            <a:avLst/>
+          </a:prstGeom>
+          <a:noFill/>
+          <a:ln>
+            <a:noFill/>
+          </a:ln>
+        </p:spPr>
+      </p:pic>
     </p:spTree>
     <p:extLst>
       <p:ext uri="{BB962C8B-B14F-4D97-AF65-F5344CB8AC3E}">
@@ -16958,7 +17478,7 @@
         <p:fade/>
       </p:transition>
     </mc:Choice>
-    <mc:Fallback xmlns="" xmlns:mv="urn:schemas-microsoft-com:mac:vml" xmlns:c="http://schemas.openxmlformats.org/drawingml/2006/chart" xmlns:dgm="http://schemas.openxmlformats.org/drawingml/2006/diagram" xmlns:o="urn:schemas-microsoft-com:office:office" xmlns:v="urn:schemas-microsoft-com:vml" xmlns:pvml="urn:schemas-microsoft-com:office:powerpoint" xmlns:com="http://schemas.openxmlformats.org/drawingml/2006/compatibility" xmlns:p15="http://schemas.microsoft.com/office/powerpoint/2012/main" xmlns:ahyp="http://schemas.microsoft.com/office/drawing/2018/hyperlinkcolor">
+    <mc:Fallback xmlns:ahyp="http://schemas.microsoft.com/office/drawing/2018/hyperlinkcolor" xmlns:p15="http://schemas.microsoft.com/office/powerpoint/2012/main" xmlns:com="http://schemas.openxmlformats.org/drawingml/2006/compatibility" xmlns:pvml="urn:schemas-microsoft-com:office:powerpoint" xmlns:v="urn:schemas-microsoft-com:vml" xmlns:o="urn:schemas-microsoft-com:office:office" xmlns:dgm="http://schemas.openxmlformats.org/drawingml/2006/diagram" xmlns:c="http://schemas.openxmlformats.org/drawingml/2006/chart" xmlns:mv="urn:schemas-microsoft-com:mac:vml" xmlns="">
       <p:transition spd="slow">
         <p:fade/>
       </p:transition>
@@ -17370,6 +17890,39 @@
           </a:extLst>
         </p:spPr>
       </p:pic>
+      <p:pic>
+        <p:nvPicPr>
+          <p:cNvPr id="4" name="Google Shape;131;p2">
+            <a:extLst>
+              <a:ext uri="{FF2B5EF4-FFF2-40B4-BE49-F238E27FC236}">
+                <a16:creationId xmlns:a16="http://schemas.microsoft.com/office/drawing/2014/main" id="{243D2C81-9B45-8CCF-0EAD-410E369F0CCD}"/>
+              </a:ext>
+            </a:extLst>
+          </p:cNvPr>
+          <p:cNvPicPr preferRelativeResize="0"/>
+          <p:nvPr/>
+        </p:nvPicPr>
+        <p:blipFill rotWithShape="1">
+          <a:blip r:embed="rId3">
+            <a:alphaModFix/>
+          </a:blip>
+          <a:srcRect/>
+          <a:stretch/>
+        </p:blipFill>
+        <p:spPr>
+          <a:xfrm>
+            <a:off x="10919540" y="150750"/>
+            <a:ext cx="1233271" cy="1029803"/>
+          </a:xfrm>
+          <a:prstGeom prst="rect">
+            <a:avLst/>
+          </a:prstGeom>
+          <a:noFill/>
+          <a:ln>
+            <a:noFill/>
+          </a:ln>
+        </p:spPr>
+      </p:pic>
     </p:spTree>
     <p:extLst>
       <p:ext uri="{BB962C8B-B14F-4D97-AF65-F5344CB8AC3E}">
@@ -17386,7 +17939,7 @@
         <p:fade/>
       </p:transition>
     </mc:Choice>
-    <mc:Fallback xmlns="" xmlns:mv="urn:schemas-microsoft-com:mac:vml" xmlns:c="http://schemas.openxmlformats.org/drawingml/2006/chart" xmlns:dgm="http://schemas.openxmlformats.org/drawingml/2006/diagram" xmlns:o="urn:schemas-microsoft-com:office:office" xmlns:v="urn:schemas-microsoft-com:vml" xmlns:pvml="urn:schemas-microsoft-com:office:powerpoint" xmlns:com="http://schemas.openxmlformats.org/drawingml/2006/compatibility" xmlns:p15="http://schemas.microsoft.com/office/powerpoint/2012/main" xmlns:ahyp="http://schemas.microsoft.com/office/drawing/2018/hyperlinkcolor">
+    <mc:Fallback xmlns:ahyp="http://schemas.microsoft.com/office/drawing/2018/hyperlinkcolor" xmlns:p15="http://schemas.microsoft.com/office/powerpoint/2012/main" xmlns:com="http://schemas.openxmlformats.org/drawingml/2006/compatibility" xmlns:pvml="urn:schemas-microsoft-com:office:powerpoint" xmlns:v="urn:schemas-microsoft-com:vml" xmlns:o="urn:schemas-microsoft-com:office:office" xmlns:dgm="http://schemas.openxmlformats.org/drawingml/2006/diagram" xmlns:c="http://schemas.openxmlformats.org/drawingml/2006/chart" xmlns:mv="urn:schemas-microsoft-com:mac:vml" xmlns="">
       <p:transition spd="slow">
         <p:fade/>
       </p:transition>
@@ -17396,6 +17949,641 @@
 </file>
 
 <file path=ppt/slides/slide5.xml><?xml version="1.0" encoding="utf-8"?>
+<p:sld xmlns:a="http://schemas.openxmlformats.org/drawingml/2006/main" xmlns:r="http://schemas.openxmlformats.org/officeDocument/2006/relationships" xmlns:p="http://schemas.openxmlformats.org/presentationml/2006/main">
+  <p:cSld>
+    <p:spTree>
+      <p:nvGrpSpPr>
+        <p:cNvPr id="1" name=""/>
+        <p:cNvGrpSpPr/>
+        <p:nvPr/>
+      </p:nvGrpSpPr>
+      <p:grpSpPr>
+        <a:xfrm>
+          <a:off x="0" y="0"/>
+          <a:ext cx="0" cy="0"/>
+          <a:chOff x="0" y="0"/>
+          <a:chExt cx="0" cy="0"/>
+        </a:xfrm>
+      </p:grpSpPr>
+      <p:sp>
+        <p:nvSpPr>
+          <p:cNvPr id="2" name="Title 1">
+            <a:extLst>
+              <a:ext uri="{FF2B5EF4-FFF2-40B4-BE49-F238E27FC236}">
+                <a16:creationId xmlns:a16="http://schemas.microsoft.com/office/drawing/2014/main" id="{BD5A0F78-FE9D-1229-3CF8-ABCB37CB1727}"/>
+              </a:ext>
+            </a:extLst>
+          </p:cNvPr>
+          <p:cNvSpPr>
+            <a:spLocks noGrp="1"/>
+          </p:cNvSpPr>
+          <p:nvPr>
+            <p:ph type="title"/>
+          </p:nvPr>
+        </p:nvSpPr>
+        <p:spPr/>
+        <p:txBody>
+          <a:bodyPr/>
+          <a:lstStyle/>
+          <a:p>
+            <a:r>
+              <a:rPr lang="en-US" dirty="0"/>
+              <a:t>Literature Review </a:t>
+            </a:r>
+            <a:endParaRPr lang="en-IN" dirty="0"/>
+          </a:p>
+        </p:txBody>
+      </p:sp>
+      <p:sp>
+        <p:nvSpPr>
+          <p:cNvPr id="4" name="Slide Number Placeholder 3">
+            <a:extLst>
+              <a:ext uri="{FF2B5EF4-FFF2-40B4-BE49-F238E27FC236}">
+                <a16:creationId xmlns:a16="http://schemas.microsoft.com/office/drawing/2014/main" id="{776345B9-609A-9E4D-D369-CB6C338C2049}"/>
+              </a:ext>
+            </a:extLst>
+          </p:cNvPr>
+          <p:cNvSpPr>
+            <a:spLocks noGrp="1"/>
+          </p:cNvSpPr>
+          <p:nvPr>
+            <p:ph type="sldNum" idx="12"/>
+          </p:nvPr>
+        </p:nvSpPr>
+        <p:spPr/>
+        <p:txBody>
+          <a:bodyPr/>
+          <a:lstStyle/>
+          <a:p>
+            <a:pPr marL="0" lvl="0" indent="0" algn="r" rtl="0">
+              <a:spcBef>
+                <a:spcPts val="0"/>
+              </a:spcBef>
+              <a:spcAft>
+                <a:spcPts val="0"/>
+              </a:spcAft>
+              <a:buNone/>
+            </a:pPr>
+            <a:fld id="{00000000-1234-1234-1234-123412341234}" type="slidenum">
+              <a:rPr lang="en-US" smtClean="0"/>
+              <a:t>5</a:t>
+            </a:fld>
+            <a:endParaRPr lang="en-US"/>
+          </a:p>
+        </p:txBody>
+      </p:sp>
+      <p:graphicFrame>
+        <p:nvGraphicFramePr>
+          <p:cNvPr id="6" name="Table 6">
+            <a:extLst>
+              <a:ext uri="{FF2B5EF4-FFF2-40B4-BE49-F238E27FC236}">
+                <a16:creationId xmlns:a16="http://schemas.microsoft.com/office/drawing/2014/main" id="{EEAB201F-49F8-5EBA-E44F-6EE27C640A32}"/>
+              </a:ext>
+            </a:extLst>
+          </p:cNvPr>
+          <p:cNvGraphicFramePr>
+            <a:graphicFrameLocks noGrp="1"/>
+          </p:cNvGraphicFramePr>
+          <p:nvPr>
+            <p:extLst>
+              <p:ext uri="{D42A27DB-BD31-4B8C-83A1-F6EECF244321}">
+                <p14:modId xmlns:p14="http://schemas.microsoft.com/office/powerpoint/2010/main" val="1696672878"/>
+              </p:ext>
+            </p:extLst>
+          </p:nvPr>
+        </p:nvGraphicFramePr>
+        <p:xfrm>
+          <a:off x="1128783" y="1522097"/>
+          <a:ext cx="9980682" cy="4334709"/>
+        </p:xfrm>
+        <a:graphic>
+          <a:graphicData uri="http://schemas.openxmlformats.org/drawingml/2006/table">
+            <a:tbl>
+              <a:tblPr firstRow="1" bandRow="1">
+                <a:tableStyleId>{5C22544A-7EE6-4342-B048-85BDC9FD1C3A}</a:tableStyleId>
+              </a:tblPr>
+              <a:tblGrid>
+                <a:gridCol w="3326894">
+                  <a:extLst>
+                    <a:ext uri="{9D8B030D-6E8A-4147-A177-3AD203B41FA5}">
+                      <a16:colId xmlns:a16="http://schemas.microsoft.com/office/drawing/2014/main" val="1075982653"/>
+                    </a:ext>
+                  </a:extLst>
+                </a:gridCol>
+                <a:gridCol w="3326894">
+                  <a:extLst>
+                    <a:ext uri="{9D8B030D-6E8A-4147-A177-3AD203B41FA5}">
+                      <a16:colId xmlns:a16="http://schemas.microsoft.com/office/drawing/2014/main" val="2059314703"/>
+                    </a:ext>
+                  </a:extLst>
+                </a:gridCol>
+                <a:gridCol w="3326894">
+                  <a:extLst>
+                    <a:ext uri="{9D8B030D-6E8A-4147-A177-3AD203B41FA5}">
+                      <a16:colId xmlns:a16="http://schemas.microsoft.com/office/drawing/2014/main" val="1278270815"/>
+                    </a:ext>
+                  </a:extLst>
+                </a:gridCol>
+              </a:tblGrid>
+              <a:tr h="433269">
+                <a:tc>
+                  <a:txBody>
+                    <a:bodyPr/>
+                    <a:lstStyle/>
+                    <a:p>
+                      <a:r>
+                        <a:rPr lang="en-IN" dirty="0"/>
+                        <a:t>Author</a:t>
+                      </a:r>
+                    </a:p>
+                  </a:txBody>
+                  <a:tcPr/>
+                </a:tc>
+                <a:tc>
+                  <a:txBody>
+                    <a:bodyPr/>
+                    <a:lstStyle/>
+                    <a:p>
+                      <a:r>
+                        <a:rPr lang="en-IN" dirty="0"/>
+                        <a:t>Title</a:t>
+                      </a:r>
+                    </a:p>
+                  </a:txBody>
+                  <a:tcPr/>
+                </a:tc>
+                <a:tc>
+                  <a:txBody>
+                    <a:bodyPr/>
+                    <a:lstStyle/>
+                    <a:p>
+                      <a:r>
+                        <a:rPr lang="en-IN" dirty="0"/>
+                        <a:t>Review</a:t>
+                      </a:r>
+                    </a:p>
+                  </a:txBody>
+                  <a:tcPr/>
+                </a:tc>
+                <a:extLst>
+                  <a:ext uri="{0D108BD9-81ED-4DB2-BD59-A6C34878D82A}">
+                    <a16:rowId xmlns:a16="http://schemas.microsoft.com/office/drawing/2014/main" val="22340324"/>
+                  </a:ext>
+                </a:extLst>
+              </a:tr>
+              <a:tr h="433269">
+                <a:tc>
+                  <a:txBody>
+                    <a:bodyPr/>
+                    <a:lstStyle/>
+                    <a:p>
+                      <a:r>
+                        <a:rPr lang="en-US" dirty="0"/>
+                        <a:t>F. Casino, T. K. </a:t>
+                      </a:r>
+                      <a:r>
+                        <a:rPr lang="en-US" dirty="0" err="1"/>
+                        <a:t>Dasaklis</a:t>
+                      </a:r>
+                      <a:r>
+                        <a:rPr lang="en-US" dirty="0"/>
+                        <a:t>, and C. </a:t>
+                      </a:r>
+                      <a:r>
+                        <a:rPr lang="en-US" dirty="0" err="1"/>
+                        <a:t>Patsakis</a:t>
+                      </a:r>
+                      <a:endParaRPr lang="en-IN" dirty="0"/>
+                    </a:p>
+                  </a:txBody>
+                  <a:tcPr/>
+                </a:tc>
+                <a:tc>
+                  <a:txBody>
+                    <a:bodyPr/>
+                    <a:lstStyle/>
+                    <a:p>
+                      <a:pPr marL="0" marR="0" lvl="0" indent="0" algn="l" defTabSz="914400" rtl="0" eaLnBrk="1" fontAlgn="auto" latinLnBrk="0" hangingPunct="1">
+                        <a:lnSpc>
+                          <a:spcPct val="100000"/>
+                        </a:lnSpc>
+                        <a:spcBef>
+                          <a:spcPts val="0"/>
+                        </a:spcBef>
+                        <a:spcAft>
+                          <a:spcPts val="0"/>
+                        </a:spcAft>
+                        <a:buClr>
+                          <a:srgbClr val="000000"/>
+                        </a:buClr>
+                        <a:buSzTx/>
+                        <a:buFont typeface="Arial"/>
+                        <a:buNone/>
+                        <a:tabLst/>
+                        <a:defRPr/>
+                      </a:pPr>
+                      <a:r>
+                        <a:rPr lang="en-US" dirty="0"/>
+                        <a:t>A systematic literature review of blockchain-based applications: Current status, classification and open issues,</a:t>
+                      </a:r>
+                      <a:endParaRPr lang="en-IN" dirty="0"/>
+                    </a:p>
+                  </a:txBody>
+                  <a:tcPr/>
+                </a:tc>
+                <a:tc>
+                  <a:txBody>
+                    <a:bodyPr/>
+                    <a:lstStyle/>
+                    <a:p>
+                      <a:r>
+                        <a:rPr lang="en-US" sz="1400" b="0" i="0" u="none" strike="noStrike" cap="none" dirty="0">
+                          <a:solidFill>
+                            <a:schemeClr val="dk1"/>
+                          </a:solidFill>
+                          <a:effectLst/>
+                          <a:latin typeface="+mn-lt"/>
+                          <a:ea typeface="+mn-ea"/>
+                          <a:cs typeface="+mn-cs"/>
+                          <a:sym typeface="Arial"/>
+                        </a:rPr>
+                        <a:t>This work provides a systematic literature review of blockchain-based applications across multiple domains. </a:t>
+                      </a:r>
+                      <a:endParaRPr lang="en-IN" dirty="0"/>
+                    </a:p>
+                  </a:txBody>
+                  <a:tcPr/>
+                </a:tc>
+                <a:extLst>
+                  <a:ext uri="{0D108BD9-81ED-4DB2-BD59-A6C34878D82A}">
+                    <a16:rowId xmlns:a16="http://schemas.microsoft.com/office/drawing/2014/main" val="1051576169"/>
+                  </a:ext>
+                </a:extLst>
+              </a:tr>
+              <a:tr h="433269">
+                <a:tc>
+                  <a:txBody>
+                    <a:bodyPr/>
+                    <a:lstStyle/>
+                    <a:p>
+                      <a:r>
+                        <a:rPr lang="en-IN" dirty="0"/>
+                        <a:t>S. Nakamoto. (2008)</a:t>
+                      </a:r>
+                    </a:p>
+                  </a:txBody>
+                  <a:tcPr/>
+                </a:tc>
+                <a:tc>
+                  <a:txBody>
+                    <a:bodyPr/>
+                    <a:lstStyle/>
+                    <a:p>
+                      <a:pPr marL="0" marR="0" lvl="0" indent="0" algn="l" defTabSz="914400" rtl="0" eaLnBrk="1" fontAlgn="auto" latinLnBrk="0" hangingPunct="1">
+                        <a:lnSpc>
+                          <a:spcPct val="100000"/>
+                        </a:lnSpc>
+                        <a:spcBef>
+                          <a:spcPts val="0"/>
+                        </a:spcBef>
+                        <a:spcAft>
+                          <a:spcPts val="0"/>
+                        </a:spcAft>
+                        <a:buClr>
+                          <a:srgbClr val="000000"/>
+                        </a:buClr>
+                        <a:buSzTx/>
+                        <a:buFont typeface="Arial"/>
+                        <a:buNone/>
+                        <a:tabLst/>
+                        <a:defRPr/>
+                      </a:pPr>
+                      <a:r>
+                        <a:rPr lang="en-US" dirty="0"/>
+                        <a:t>Bitcoin: A peer-to-peer electronic cash system</a:t>
+                      </a:r>
+                      <a:endParaRPr lang="en-IN" dirty="0"/>
+                    </a:p>
+                  </a:txBody>
+                  <a:tcPr/>
+                </a:tc>
+                <a:tc>
+                  <a:txBody>
+                    <a:bodyPr/>
+                    <a:lstStyle/>
+                    <a:p>
+                      <a:r>
+                        <a:rPr lang="en-US" sz="1400" b="0" i="0" u="none" strike="noStrike" cap="none" dirty="0">
+                          <a:solidFill>
+                            <a:schemeClr val="dk1"/>
+                          </a:solidFill>
+                          <a:effectLst/>
+                          <a:latin typeface="+mn-lt"/>
+                          <a:ea typeface="+mn-ea"/>
+                          <a:cs typeface="+mn-cs"/>
+                          <a:sym typeface="Arial"/>
+                        </a:rPr>
+                        <a:t>This work provides </a:t>
+                      </a:r>
+                      <a:r>
+                        <a:rPr lang="en-US" dirty="0"/>
+                        <a:t> purely peer-to-peer version of electronic cash would allow online payments to be sent directly from one party to another without going through a financial institution.</a:t>
+                      </a:r>
+                      <a:endParaRPr lang="en-IN" dirty="0"/>
+                    </a:p>
+                  </a:txBody>
+                  <a:tcPr/>
+                </a:tc>
+                <a:extLst>
+                  <a:ext uri="{0D108BD9-81ED-4DB2-BD59-A6C34878D82A}">
+                    <a16:rowId xmlns:a16="http://schemas.microsoft.com/office/drawing/2014/main" val="2123995920"/>
+                  </a:ext>
+                </a:extLst>
+              </a:tr>
+              <a:tr h="433269">
+                <a:tc>
+                  <a:txBody>
+                    <a:bodyPr/>
+                    <a:lstStyle/>
+                    <a:p>
+                      <a:r>
+                        <a:rPr lang="en-IN" sz="1400" b="0" i="0" u="none" strike="noStrike" cap="none" dirty="0">
+                          <a:solidFill>
+                            <a:schemeClr val="dk1"/>
+                          </a:solidFill>
+                          <a:effectLst/>
+                          <a:latin typeface="+mn-lt"/>
+                          <a:ea typeface="+mn-ea"/>
+                          <a:cs typeface="+mn-cs"/>
+                          <a:sym typeface="Arial"/>
+                        </a:rPr>
+                        <a:t>G. Wood</a:t>
+                      </a:r>
+                      <a:endParaRPr lang="en-IN" dirty="0"/>
+                    </a:p>
+                  </a:txBody>
+                  <a:tcPr/>
+                </a:tc>
+                <a:tc>
+                  <a:txBody>
+                    <a:bodyPr/>
+                    <a:lstStyle/>
+                    <a:p>
+                      <a:pPr marL="0" marR="0" lvl="0" indent="0" algn="l" defTabSz="914400" rtl="0" eaLnBrk="1" fontAlgn="auto" latinLnBrk="0" hangingPunct="1">
+                        <a:lnSpc>
+                          <a:spcPct val="100000"/>
+                        </a:lnSpc>
+                        <a:spcBef>
+                          <a:spcPts val="0"/>
+                        </a:spcBef>
+                        <a:spcAft>
+                          <a:spcPts val="0"/>
+                        </a:spcAft>
+                        <a:buClr>
+                          <a:srgbClr val="000000"/>
+                        </a:buClr>
+                        <a:buSzTx/>
+                        <a:buFont typeface="Arial"/>
+                        <a:buNone/>
+                        <a:tabLst/>
+                        <a:defRPr/>
+                      </a:pPr>
+                      <a:r>
+                        <a:rPr lang="en-US" dirty="0"/>
+                        <a:t>Ethereum: A secure </a:t>
+                      </a:r>
+                      <a:r>
+                        <a:rPr lang="en-US" dirty="0" err="1"/>
+                        <a:t>decentralised</a:t>
+                      </a:r>
+                      <a:r>
+                        <a:rPr lang="en-US" dirty="0"/>
+                        <a:t> </a:t>
+                      </a:r>
+                      <a:r>
+                        <a:rPr lang="en-US" dirty="0" err="1"/>
+                        <a:t>generalised</a:t>
+                      </a:r>
+                      <a:r>
+                        <a:rPr lang="en-US" dirty="0"/>
+                        <a:t> transaction ledger</a:t>
+                      </a:r>
+                      <a:endParaRPr lang="en-IN" dirty="0"/>
+                    </a:p>
+                  </a:txBody>
+                  <a:tcPr/>
+                </a:tc>
+                <a:tc>
+                  <a:txBody>
+                    <a:bodyPr/>
+                    <a:lstStyle/>
+                    <a:p>
+                      <a:r>
+                        <a:rPr lang="en-US" sz="1400" b="0" i="0" u="none" strike="noStrike" cap="none" dirty="0">
+                          <a:solidFill>
+                            <a:schemeClr val="dk1"/>
+                          </a:solidFill>
+                          <a:effectLst/>
+                          <a:latin typeface="+mn-lt"/>
+                          <a:ea typeface="+mn-ea"/>
+                          <a:cs typeface="+mn-cs"/>
+                          <a:sym typeface="Arial"/>
+                        </a:rPr>
+                        <a:t>This work provides </a:t>
+                      </a:r>
+                      <a:r>
+                        <a:rPr lang="en-US" dirty="0"/>
+                        <a:t>blockchain paradigm when coupled with cryptographically-secured transactions has demonstrated its utility through a number of projects, not the least being Bitcoin. Each such project can be seen as a simple application on a </a:t>
+                      </a:r>
+                      <a:r>
+                        <a:rPr lang="en-US" dirty="0" err="1"/>
+                        <a:t>decentralised</a:t>
+                      </a:r>
+                      <a:r>
+                        <a:rPr lang="en-US" dirty="0"/>
+                        <a:t>, but singleton, compute resource.</a:t>
+                      </a:r>
+                      <a:endParaRPr lang="en-IN" dirty="0"/>
+                    </a:p>
+                  </a:txBody>
+                  <a:tcPr/>
+                </a:tc>
+                <a:extLst>
+                  <a:ext uri="{0D108BD9-81ED-4DB2-BD59-A6C34878D82A}">
+                    <a16:rowId xmlns:a16="http://schemas.microsoft.com/office/drawing/2014/main" val="2355455244"/>
+                  </a:ext>
+                </a:extLst>
+              </a:tr>
+            </a:tbl>
+          </a:graphicData>
+        </a:graphic>
+      </p:graphicFrame>
+      <p:pic>
+        <p:nvPicPr>
+          <p:cNvPr id="7" name="Google Shape;131;p2">
+            <a:extLst>
+              <a:ext uri="{FF2B5EF4-FFF2-40B4-BE49-F238E27FC236}">
+                <a16:creationId xmlns:a16="http://schemas.microsoft.com/office/drawing/2014/main" id="{9B0401B7-BDE1-54A4-1554-015641D6CAF7}"/>
+              </a:ext>
+            </a:extLst>
+          </p:cNvPr>
+          <p:cNvPicPr preferRelativeResize="0"/>
+          <p:nvPr/>
+        </p:nvPicPr>
+        <p:blipFill rotWithShape="1">
+          <a:blip r:embed="rId2">
+            <a:alphaModFix/>
+          </a:blip>
+          <a:srcRect/>
+          <a:stretch/>
+        </p:blipFill>
+        <p:spPr>
+          <a:xfrm>
+            <a:off x="10919540" y="150750"/>
+            <a:ext cx="1233271" cy="1029803"/>
+          </a:xfrm>
+          <a:prstGeom prst="rect">
+            <a:avLst/>
+          </a:prstGeom>
+          <a:noFill/>
+          <a:ln>
+            <a:noFill/>
+          </a:ln>
+        </p:spPr>
+      </p:pic>
+      <p:sp>
+        <p:nvSpPr>
+          <p:cNvPr id="8" name="Google Shape;132;p2">
+            <a:extLst>
+              <a:ext uri="{FF2B5EF4-FFF2-40B4-BE49-F238E27FC236}">
+                <a16:creationId xmlns:a16="http://schemas.microsoft.com/office/drawing/2014/main" id="{6F64462D-36A9-05B4-C508-ACED79B25955}"/>
+              </a:ext>
+            </a:extLst>
+          </p:cNvPr>
+          <p:cNvSpPr txBox="1">
+            <a:spLocks noGrp="1"/>
+          </p:cNvSpPr>
+          <p:nvPr>
+            <p:ph type="ftr" idx="11"/>
+          </p:nvPr>
+        </p:nvSpPr>
+        <p:spPr>
+          <a:xfrm>
+            <a:off x="2934459" y="6356350"/>
+            <a:ext cx="6323082" cy="365126"/>
+          </a:xfrm>
+          <a:prstGeom prst="rect">
+            <a:avLst/>
+          </a:prstGeom>
+          <a:noFill/>
+          <a:ln>
+            <a:noFill/>
+          </a:ln>
+        </p:spPr>
+        <p:txBody>
+          <a:bodyPr spcFirstLastPara="1" wrap="square" lIns="0" tIns="45700" rIns="0" bIns="45700" anchor="ctr" anchorCtr="0">
+            <a:noAutofit/>
+          </a:bodyPr>
+          <a:lstStyle/>
+          <a:p>
+            <a:pPr marL="0" lvl="0" indent="0" algn="ctr" rtl="0">
+              <a:spcBef>
+                <a:spcPts val="0"/>
+              </a:spcBef>
+              <a:spcAft>
+                <a:spcPts val="0"/>
+              </a:spcAft>
+              <a:buNone/>
+            </a:pPr>
+            <a:r>
+              <a:rPr lang="en-US" sz="1200" dirty="0">
+                <a:latin typeface="Times New Roman" panose="02020603050405020304" pitchFamily="18" charset="0"/>
+                <a:cs typeface="Times New Roman" panose="02020603050405020304" pitchFamily="18" charset="0"/>
+              </a:rPr>
+              <a:t>An Automated Framework for Migrating Java Applications to Ethereum Solidity Applications</a:t>
+            </a:r>
+            <a:endParaRPr dirty="0"/>
+          </a:p>
+        </p:txBody>
+      </p:sp>
+      <p:sp>
+        <p:nvSpPr>
+          <p:cNvPr id="9" name="Google Shape;133;p2">
+            <a:extLst>
+              <a:ext uri="{FF2B5EF4-FFF2-40B4-BE49-F238E27FC236}">
+                <a16:creationId xmlns:a16="http://schemas.microsoft.com/office/drawing/2014/main" id="{0B79DC88-71D4-4066-B304-34BDF3E4D702}"/>
+              </a:ext>
+            </a:extLst>
+          </p:cNvPr>
+          <p:cNvSpPr txBox="1">
+            <a:spLocks noGrp="1"/>
+          </p:cNvSpPr>
+          <p:nvPr>
+            <p:ph type="dt" idx="10"/>
+          </p:nvPr>
+        </p:nvSpPr>
+        <p:spPr>
+          <a:xfrm>
+            <a:off x="825024" y="6356350"/>
+            <a:ext cx="2109300" cy="365100"/>
+          </a:xfrm>
+          <a:prstGeom prst="rect">
+            <a:avLst/>
+          </a:prstGeom>
+          <a:noFill/>
+          <a:ln>
+            <a:noFill/>
+          </a:ln>
+        </p:spPr>
+        <p:txBody>
+          <a:bodyPr spcFirstLastPara="1" wrap="square" lIns="0" tIns="45700" rIns="0" bIns="45700" anchor="ctr" anchorCtr="0">
+            <a:noAutofit/>
+          </a:bodyPr>
+          <a:lstStyle/>
+          <a:p>
+            <a:pPr marL="0" lvl="0" indent="0" algn="l" rtl="0">
+              <a:spcBef>
+                <a:spcPts val="0"/>
+              </a:spcBef>
+              <a:spcAft>
+                <a:spcPts val="0"/>
+              </a:spcAft>
+              <a:buNone/>
+            </a:pPr>
+            <a:r>
+              <a:rPr lang="en-US" dirty="0"/>
+              <a:t>9/24/2022</a:t>
+            </a:r>
+            <a:endParaRPr dirty="0"/>
+          </a:p>
+        </p:txBody>
+      </p:sp>
+    </p:spTree>
+    <p:extLst>
+      <p:ext uri="{BB962C8B-B14F-4D97-AF65-F5344CB8AC3E}">
+        <p14:creationId xmlns:p14="http://schemas.microsoft.com/office/powerpoint/2010/main" val="933023012"/>
+      </p:ext>
+    </p:extLst>
+  </p:cSld>
+  <p:clrMapOvr>
+    <a:masterClrMapping/>
+  </p:clrMapOvr>
+  <mc:AlternateContent xmlns:mc="http://schemas.openxmlformats.org/markup-compatibility/2006" xmlns:p14="http://schemas.microsoft.com/office/powerpoint/2010/main">
+    <mc:Choice Requires="p14">
+      <p:transition spd="med" p14:dur="700">
+        <p:fade/>
+      </p:transition>
+    </mc:Choice>
+    <mc:Fallback xmlns:ahyp="http://schemas.microsoft.com/office/drawing/2018/hyperlinkcolor" xmlns:p15="http://schemas.microsoft.com/office/powerpoint/2012/main" xmlns:com="http://schemas.openxmlformats.org/drawingml/2006/compatibility" xmlns:pvml="urn:schemas-microsoft-com:office:powerpoint" xmlns:v="urn:schemas-microsoft-com:vml" xmlns:o="urn:schemas-microsoft-com:office:office" xmlns:dgm="http://schemas.openxmlformats.org/drawingml/2006/diagram" xmlns:c="http://schemas.openxmlformats.org/drawingml/2006/chart" xmlns:mv="urn:schemas-microsoft-com:mac:vml" xmlns="">
+      <p:transition spd="slow">
+        <p:fade/>
+      </p:transition>
+    </mc:Fallback>
+  </mc:AlternateContent>
+</p:sld>
+</file>
+
+<file path=ppt/slides/slide6.xml><?xml version="1.0" encoding="utf-8"?>
 <p:sld xmlns:a="http://schemas.openxmlformats.org/drawingml/2006/main" xmlns:r="http://schemas.openxmlformats.org/officeDocument/2006/relationships" xmlns:p="http://schemas.openxmlformats.org/presentationml/2006/main">
   <p:cSld>
     <p:spTree>
@@ -17560,7 +18748,7 @@
             </a:pPr>
             <a:fld id="{00000000-1234-1234-1234-123412341234}" type="slidenum">
               <a:rPr lang="en-US" smtClean="0"/>
-              <a:t>5</a:t>
+              <a:t>6</a:t>
             </a:fld>
             <a:endParaRPr lang="en-US"/>
           </a:p>
@@ -17712,6 +18900,39 @@
           </a:p>
         </p:txBody>
       </p:sp>
+      <p:pic>
+        <p:nvPicPr>
+          <p:cNvPr id="2" name="Google Shape;131;p2">
+            <a:extLst>
+              <a:ext uri="{FF2B5EF4-FFF2-40B4-BE49-F238E27FC236}">
+                <a16:creationId xmlns:a16="http://schemas.microsoft.com/office/drawing/2014/main" id="{E61E61F0-E461-FF06-6BE5-86BE8E1B6B91}"/>
+              </a:ext>
+            </a:extLst>
+          </p:cNvPr>
+          <p:cNvPicPr preferRelativeResize="0"/>
+          <p:nvPr/>
+        </p:nvPicPr>
+        <p:blipFill rotWithShape="1">
+          <a:blip r:embed="rId3">
+            <a:alphaModFix/>
+          </a:blip>
+          <a:srcRect/>
+          <a:stretch/>
+        </p:blipFill>
+        <p:spPr>
+          <a:xfrm>
+            <a:off x="10919540" y="150750"/>
+            <a:ext cx="1233271" cy="1029803"/>
+          </a:xfrm>
+          <a:prstGeom prst="rect">
+            <a:avLst/>
+          </a:prstGeom>
+          <a:noFill/>
+          <a:ln>
+            <a:noFill/>
+          </a:ln>
+        </p:spPr>
+      </p:pic>
     </p:spTree>
     <p:extLst>
       <p:ext uri="{BB962C8B-B14F-4D97-AF65-F5344CB8AC3E}">
@@ -17728,7 +18949,7 @@
         <p:fade/>
       </p:transition>
     </mc:Choice>
-    <mc:Fallback xmlns="" xmlns:mv="urn:schemas-microsoft-com:mac:vml" xmlns:c="http://schemas.openxmlformats.org/drawingml/2006/chart" xmlns:dgm="http://schemas.openxmlformats.org/drawingml/2006/diagram" xmlns:o="urn:schemas-microsoft-com:office:office" xmlns:v="urn:schemas-microsoft-com:vml" xmlns:pvml="urn:schemas-microsoft-com:office:powerpoint" xmlns:com="http://schemas.openxmlformats.org/drawingml/2006/compatibility" xmlns:p15="http://schemas.microsoft.com/office/powerpoint/2012/main" xmlns:ahyp="http://schemas.microsoft.com/office/drawing/2018/hyperlinkcolor">
+    <mc:Fallback xmlns:ahyp="http://schemas.microsoft.com/office/drawing/2018/hyperlinkcolor" xmlns:p15="http://schemas.microsoft.com/office/powerpoint/2012/main" xmlns:com="http://schemas.openxmlformats.org/drawingml/2006/compatibility" xmlns:pvml="urn:schemas-microsoft-com:office:powerpoint" xmlns:v="urn:schemas-microsoft-com:vml" xmlns:o="urn:schemas-microsoft-com:office:office" xmlns:dgm="http://schemas.openxmlformats.org/drawingml/2006/diagram" xmlns:c="http://schemas.openxmlformats.org/drawingml/2006/chart" xmlns:mv="urn:schemas-microsoft-com:mac:vml" xmlns="">
       <p:transition spd="slow">
         <p:fade/>
       </p:transition>
@@ -17737,7 +18958,7 @@
 </p:sld>
 </file>
 
-<file path=ppt/slides/slide6.xml><?xml version="1.0" encoding="utf-8"?>
+<file path=ppt/slides/slide7.xml><?xml version="1.0" encoding="utf-8"?>
 <p:sld xmlns:a="http://schemas.openxmlformats.org/drawingml/2006/main" xmlns:r="http://schemas.openxmlformats.org/officeDocument/2006/relationships" xmlns:p="http://schemas.openxmlformats.org/presentationml/2006/main">
   <p:cSld>
     <p:spTree>
@@ -17786,7 +19007,7 @@
         </p:blipFill>
         <p:spPr>
           <a:xfrm>
-            <a:off x="1753683" y="0"/>
+            <a:off x="1379999" y="0"/>
             <a:ext cx="9432002" cy="6705600"/>
           </a:xfrm>
           <a:prstGeom prst="rect">
@@ -17901,6 +19122,39 @@
           </a:p>
         </p:txBody>
       </p:sp>
+      <p:pic>
+        <p:nvPicPr>
+          <p:cNvPr id="2" name="Google Shape;131;p2">
+            <a:extLst>
+              <a:ext uri="{FF2B5EF4-FFF2-40B4-BE49-F238E27FC236}">
+                <a16:creationId xmlns:a16="http://schemas.microsoft.com/office/drawing/2014/main" id="{1982AE23-C0FA-ABE7-0F90-174CBEBB66FE}"/>
+              </a:ext>
+            </a:extLst>
+          </p:cNvPr>
+          <p:cNvPicPr preferRelativeResize="0"/>
+          <p:nvPr/>
+        </p:nvPicPr>
+        <p:blipFill rotWithShape="1">
+          <a:blip r:embed="rId3">
+            <a:alphaModFix/>
+          </a:blip>
+          <a:srcRect/>
+          <a:stretch/>
+        </p:blipFill>
+        <p:spPr>
+          <a:xfrm>
+            <a:off x="10919540" y="150750"/>
+            <a:ext cx="1233271" cy="1029803"/>
+          </a:xfrm>
+          <a:prstGeom prst="rect">
+            <a:avLst/>
+          </a:prstGeom>
+          <a:noFill/>
+          <a:ln>
+            <a:noFill/>
+          </a:ln>
+        </p:spPr>
+      </p:pic>
     </p:spTree>
     <p:extLst>
       <p:ext uri="{BB962C8B-B14F-4D97-AF65-F5344CB8AC3E}">
@@ -17917,7 +19171,7 @@
         <p:fade/>
       </p:transition>
     </mc:Choice>
-    <mc:Fallback xmlns="" xmlns:mv="urn:schemas-microsoft-com:mac:vml" xmlns:c="http://schemas.openxmlformats.org/drawingml/2006/chart" xmlns:dgm="http://schemas.openxmlformats.org/drawingml/2006/diagram" xmlns:o="urn:schemas-microsoft-com:office:office" xmlns:v="urn:schemas-microsoft-com:vml" xmlns:pvml="urn:schemas-microsoft-com:office:powerpoint" xmlns:com="http://schemas.openxmlformats.org/drawingml/2006/compatibility" xmlns:p15="http://schemas.microsoft.com/office/powerpoint/2012/main" xmlns:ahyp="http://schemas.microsoft.com/office/drawing/2018/hyperlinkcolor">
+    <mc:Fallback xmlns:ahyp="http://schemas.microsoft.com/office/drawing/2018/hyperlinkcolor" xmlns:p15="http://schemas.microsoft.com/office/powerpoint/2012/main" xmlns:com="http://schemas.openxmlformats.org/drawingml/2006/compatibility" xmlns:pvml="urn:schemas-microsoft-com:office:powerpoint" xmlns:v="urn:schemas-microsoft-com:vml" xmlns:o="urn:schemas-microsoft-com:office:office" xmlns:dgm="http://schemas.openxmlformats.org/drawingml/2006/diagram" xmlns:c="http://schemas.openxmlformats.org/drawingml/2006/chart" xmlns:mv="urn:schemas-microsoft-com:mac:vml" xmlns="">
       <p:transition spd="slow">
         <p:fade/>
       </p:transition>
@@ -17926,7 +19180,7 @@
 </p:sld>
 </file>
 
-<file path=ppt/slides/slide7.xml><?xml version="1.0" encoding="utf-8"?>
+<file path=ppt/slides/slide8.xml><?xml version="1.0" encoding="utf-8"?>
 <p:sld xmlns:a="http://schemas.openxmlformats.org/drawingml/2006/main" xmlns:r="http://schemas.openxmlformats.org/officeDocument/2006/relationships" xmlns:p="http://schemas.openxmlformats.org/presentationml/2006/main">
   <p:cSld>
     <p:spTree>
@@ -18114,7 +19368,7 @@
             </a:pPr>
             <a:fld id="{00000000-1234-1234-1234-123412341234}" type="slidenum">
               <a:rPr lang="en-US" smtClean="0"/>
-              <a:t>7</a:t>
+              <a:t>8</a:t>
             </a:fld>
             <a:endParaRPr lang="en-US" dirty="0"/>
           </a:p>
@@ -18266,6 +19520,39 @@
           </a:p>
         </p:txBody>
       </p:sp>
+      <p:pic>
+        <p:nvPicPr>
+          <p:cNvPr id="3" name="Google Shape;131;p2">
+            <a:extLst>
+              <a:ext uri="{FF2B5EF4-FFF2-40B4-BE49-F238E27FC236}">
+                <a16:creationId xmlns:a16="http://schemas.microsoft.com/office/drawing/2014/main" id="{F7C849B8-16EF-D88B-5D49-B0C2A0A1053B}"/>
+              </a:ext>
+            </a:extLst>
+          </p:cNvPr>
+          <p:cNvPicPr preferRelativeResize="0"/>
+          <p:nvPr/>
+        </p:nvPicPr>
+        <p:blipFill rotWithShape="1">
+          <a:blip r:embed="rId4">
+            <a:alphaModFix/>
+          </a:blip>
+          <a:srcRect/>
+          <a:stretch/>
+        </p:blipFill>
+        <p:spPr>
+          <a:xfrm>
+            <a:off x="10919540" y="150750"/>
+            <a:ext cx="1233271" cy="1029803"/>
+          </a:xfrm>
+          <a:prstGeom prst="rect">
+            <a:avLst/>
+          </a:prstGeom>
+          <a:noFill/>
+          <a:ln>
+            <a:noFill/>
+          </a:ln>
+        </p:spPr>
+      </p:pic>
     </p:spTree>
     <p:extLst>
       <p:ext uri="{BB962C8B-B14F-4D97-AF65-F5344CB8AC3E}">
@@ -18282,7 +19569,7 @@
         <p:fade/>
       </p:transition>
     </mc:Choice>
-    <mc:Fallback xmlns="" xmlns:mv="urn:schemas-microsoft-com:mac:vml" xmlns:c="http://schemas.openxmlformats.org/drawingml/2006/chart" xmlns:dgm="http://schemas.openxmlformats.org/drawingml/2006/diagram" xmlns:o="urn:schemas-microsoft-com:office:office" xmlns:v="urn:schemas-microsoft-com:vml" xmlns:pvml="urn:schemas-microsoft-com:office:powerpoint" xmlns:com="http://schemas.openxmlformats.org/drawingml/2006/compatibility" xmlns:p15="http://schemas.microsoft.com/office/powerpoint/2012/main" xmlns:ahyp="http://schemas.microsoft.com/office/drawing/2018/hyperlinkcolor">
+    <mc:Fallback xmlns:ahyp="http://schemas.microsoft.com/office/drawing/2018/hyperlinkcolor" xmlns:p15="http://schemas.microsoft.com/office/powerpoint/2012/main" xmlns:com="http://schemas.openxmlformats.org/drawingml/2006/compatibility" xmlns:pvml="urn:schemas-microsoft-com:office:powerpoint" xmlns:v="urn:schemas-microsoft-com:vml" xmlns:o="urn:schemas-microsoft-com:office:office" xmlns:dgm="http://schemas.openxmlformats.org/drawingml/2006/diagram" xmlns:c="http://schemas.openxmlformats.org/drawingml/2006/chart" xmlns:mv="urn:schemas-microsoft-com:mac:vml" xmlns="">
       <p:transition spd="slow">
         <p:fade/>
       </p:transition>
@@ -18291,7 +19578,7 @@
 </p:sld>
 </file>
 
-<file path=ppt/slides/slide8.xml><?xml version="1.0" encoding="utf-8"?>
+<file path=ppt/slides/slide9.xml><?xml version="1.0" encoding="utf-8"?>
 <p:sld xmlns:a="http://schemas.openxmlformats.org/drawingml/2006/main" xmlns:r="http://schemas.openxmlformats.org/officeDocument/2006/relationships" xmlns:p="http://schemas.openxmlformats.org/presentationml/2006/main">
   <p:cSld>
     <p:spTree>
@@ -18479,7 +19766,7 @@
             </a:pPr>
             <a:fld id="{00000000-1234-1234-1234-123412341234}" type="slidenum">
               <a:rPr lang="en-US" smtClean="0"/>
-              <a:t>8</a:t>
+              <a:t>9</a:t>
             </a:fld>
             <a:endParaRPr lang="en-US" dirty="0"/>
           </a:p>
@@ -18623,120 +19910,43 @@
           </a:prstGeom>
         </p:spPr>
       </p:pic>
-    </p:spTree>
-    <p:extLst>
-      <p:ext uri="{BB962C8B-B14F-4D97-AF65-F5344CB8AC3E}">
-        <p14:creationId xmlns:p14="http://schemas.microsoft.com/office/powerpoint/2010/main" val="2011014064"/>
-      </p:ext>
-    </p:extLst>
-  </p:cSld>
-  <p:clrMapOvr>
-    <a:masterClrMapping/>
-  </p:clrMapOvr>
-  <mc:AlternateContent xmlns:mc="http://schemas.openxmlformats.org/markup-compatibility/2006">
-    <mc:Choice xmlns:p14="http://schemas.microsoft.com/office/powerpoint/2010/main" Requires="p14">
-      <p:transition spd="med" p14:dur="700">
-        <p:fade/>
-      </p:transition>
-    </mc:Choice>
-    <mc:Fallback>
-      <p:transition spd="med">
-        <p:fade/>
-      </p:transition>
-    </mc:Fallback>
-  </mc:AlternateContent>
-</p:sld>
-</file>
-
-<file path=ppt/slides/slide9.xml><?xml version="1.0" encoding="utf-8"?>
-<p:sld xmlns:a="http://schemas.openxmlformats.org/drawingml/2006/main" xmlns:r="http://schemas.openxmlformats.org/officeDocument/2006/relationships" xmlns:p="http://schemas.openxmlformats.org/presentationml/2006/main">
-  <p:cSld>
-    <p:spTree>
-      <p:nvGrpSpPr>
-        <p:cNvPr id="1" name=""/>
-        <p:cNvGrpSpPr/>
-        <p:nvPr/>
-      </p:nvGrpSpPr>
-      <p:grpSpPr>
-        <a:xfrm>
-          <a:off x="0" y="0"/>
-          <a:ext cx="0" cy="0"/>
-          <a:chOff x="0" y="0"/>
-          <a:chExt cx="0" cy="0"/>
-        </a:xfrm>
-      </p:grpSpPr>
-      <p:sp>
-        <p:nvSpPr>
-          <p:cNvPr id="2" name="Slide Number Placeholder 1">
+      <p:pic>
+        <p:nvPicPr>
+          <p:cNvPr id="3" name="Google Shape;131;p2">
             <a:extLst>
               <a:ext uri="{FF2B5EF4-FFF2-40B4-BE49-F238E27FC236}">
-                <a16:creationId xmlns:a16="http://schemas.microsoft.com/office/drawing/2014/main" id="{DEDFD7C8-DA41-776D-D554-49C34DD16028}"/>
+                <a16:creationId xmlns:a16="http://schemas.microsoft.com/office/drawing/2014/main" id="{1E816990-9BCB-BA91-9853-4D7C74B23AEE}"/>
               </a:ext>
             </a:extLst>
           </p:cNvPr>
-          <p:cNvSpPr>
-            <a:spLocks noGrp="1"/>
-          </p:cNvSpPr>
-          <p:nvPr>
-            <p:ph type="sldNum" idx="12"/>
-          </p:nvPr>
-        </p:nvSpPr>
-        <p:spPr/>
-        <p:txBody>
-          <a:bodyPr/>
-          <a:lstStyle/>
-          <a:p>
-            <a:pPr marL="0" lvl="0" indent="0" algn="r" rtl="0">
-              <a:spcBef>
-                <a:spcPts val="0"/>
-              </a:spcBef>
-              <a:spcAft>
-                <a:spcPts val="0"/>
-              </a:spcAft>
-              <a:buNone/>
-            </a:pPr>
-            <a:fld id="{00000000-1234-1234-1234-123412341234}" type="slidenum">
-              <a:rPr lang="en-US" smtClean="0"/>
-              <a:t>9</a:t>
-            </a:fld>
-            <a:endParaRPr lang="en-US"/>
-          </a:p>
-        </p:txBody>
-      </p:sp>
-      <p:pic>
-        <p:nvPicPr>
-          <p:cNvPr id="5" name="Picture 4">
-            <a:extLst>
-              <a:ext uri="{FF2B5EF4-FFF2-40B4-BE49-F238E27FC236}">
-                <a16:creationId xmlns:a16="http://schemas.microsoft.com/office/drawing/2014/main" id="{DEA3943F-B003-D4C3-CC61-6F060B7DBC7E}"/>
-              </a:ext>
-            </a:extLst>
-          </p:cNvPr>
-          <p:cNvPicPr>
-            <a:picLocks noChangeAspect="1"/>
-          </p:cNvPicPr>
+          <p:cNvPicPr preferRelativeResize="0"/>
           <p:nvPr/>
         </p:nvPicPr>
-        <p:blipFill>
-          <a:blip r:embed="rId2"/>
-          <a:stretch>
-            <a:fillRect/>
-          </a:stretch>
+        <p:blipFill rotWithShape="1">
+          <a:blip r:embed="rId4">
+            <a:alphaModFix/>
+          </a:blip>
+          <a:srcRect/>
+          <a:stretch/>
         </p:blipFill>
         <p:spPr>
           <a:xfrm>
-            <a:off x="3322090" y="39090"/>
-            <a:ext cx="5303980" cy="6454699"/>
+            <a:off x="10919540" y="150750"/>
+            <a:ext cx="1233271" cy="1029803"/>
           </a:xfrm>
           <a:prstGeom prst="rect">
             <a:avLst/>
           </a:prstGeom>
+          <a:noFill/>
+          <a:ln>
+            <a:noFill/>
+          </a:ln>
         </p:spPr>
       </p:pic>
     </p:spTree>
     <p:extLst>
       <p:ext uri="{BB962C8B-B14F-4D97-AF65-F5344CB8AC3E}">
-        <p14:creationId xmlns:p14="http://schemas.microsoft.com/office/powerpoint/2010/main" val="3323746520"/>
+        <p14:creationId xmlns:p14="http://schemas.microsoft.com/office/powerpoint/2010/main" val="2011014064"/>
       </p:ext>
     </p:extLst>
   </p:cSld>
@@ -18749,8 +19959,8 @@
         <p:fade/>
       </p:transition>
     </mc:Choice>
-    <mc:Fallback xmlns="" xmlns:mv="urn:schemas-microsoft-com:mac:vml" xmlns:c="http://schemas.openxmlformats.org/drawingml/2006/chart" xmlns:dgm="http://schemas.openxmlformats.org/drawingml/2006/diagram" xmlns:o="urn:schemas-microsoft-com:office:office" xmlns:v="urn:schemas-microsoft-com:vml" xmlns:pvml="urn:schemas-microsoft-com:office:powerpoint" xmlns:com="http://schemas.openxmlformats.org/drawingml/2006/compatibility" xmlns:p15="http://schemas.microsoft.com/office/powerpoint/2012/main" xmlns:ahyp="http://schemas.microsoft.com/office/drawing/2018/hyperlinkcolor">
-      <p:transition spd="slow">
+    <mc:Fallback xmlns="">
+      <p:transition spd="med">
         <p:fade/>
       </p:transition>
     </mc:Fallback>
